--- a/UNA_Fighters/UNA FIGHTERS - Apresentação.pptx
+++ b/UNA_Fighters/UNA FIGHTERS - Apresentação.pptx
@@ -9,13 +9,15 @@
     <p:sldId id="271" r:id="rId3"/>
     <p:sldId id="257" r:id="rId4"/>
     <p:sldId id="258" r:id="rId5"/>
-    <p:sldId id="262" r:id="rId6"/>
-    <p:sldId id="264" r:id="rId7"/>
-    <p:sldId id="265" r:id="rId8"/>
-    <p:sldId id="266" r:id="rId9"/>
-    <p:sldId id="263" r:id="rId10"/>
-    <p:sldId id="269" r:id="rId11"/>
-    <p:sldId id="270" r:id="rId12"/>
+    <p:sldId id="273" r:id="rId6"/>
+    <p:sldId id="274" r:id="rId7"/>
+    <p:sldId id="262" r:id="rId8"/>
+    <p:sldId id="264" r:id="rId9"/>
+    <p:sldId id="265" r:id="rId10"/>
+    <p:sldId id="266" r:id="rId11"/>
+    <p:sldId id="263" r:id="rId12"/>
+    <p:sldId id="269" r:id="rId13"/>
+    <p:sldId id="270" r:id="rId14"/>
   </p:sldIdLst>
   <p:sldSz cx="12192000" cy="6858000"/>
   <p:notesSz cx="6858000" cy="9144000"/>
@@ -134,20 +136,6 @@
 </p:cmAuthorLst>
 </file>
 
-<file path=ppt/comments/comment1.xml><?xml version="1.0" encoding="utf-8"?>
-<p:cmLst xmlns:a="http://schemas.openxmlformats.org/drawingml/2006/main" xmlns:r="http://schemas.openxmlformats.org/officeDocument/2006/relationships" xmlns:p="http://schemas.openxmlformats.org/presentationml/2006/main">
-  <p:cm authorId="1" dt="2019-11-08T21:06:40.656" idx="1">
-    <p:pos x="7680" y="3648"/>
-    <p:text/>
-    <p:extLst>
-      <p:ext uri="{C676402C-5697-4E1C-873F-D02D1690AC5C}">
-        <p15:threadingInfo xmlns:p15="http://schemas.microsoft.com/office/powerpoint/2012/main" timeZoneBias="180"/>
-      </p:ext>
-    </p:extLst>
-  </p:cm>
-</p:cmLst>
-</file>
-
 <file path=ppt/slideLayouts/slideLayout1.xml><?xml version="1.0" encoding="utf-8"?>
 <p:sldLayout xmlns:a="http://schemas.openxmlformats.org/drawingml/2006/main" xmlns:r="http://schemas.openxmlformats.org/officeDocument/2006/relationships" xmlns:p="http://schemas.openxmlformats.org/presentationml/2006/main" type="title" preserve="1">
   <p:cSld name="Slide de Título">
@@ -295,7 +283,7 @@
           <a:p>
             <a:fld id="{8817D78E-4D18-4306-A2EF-3AB9A865C50B}" type="datetimeFigureOut">
               <a:rPr lang="pt-BR" smtClean="0"/>
-              <a:t>12/11/2019</a:t>
+              <a:t>26/11/2019</a:t>
             </a:fld>
             <a:endParaRPr lang="pt-BR"/>
           </a:p>
@@ -493,7 +481,7 @@
           <a:p>
             <a:fld id="{8817D78E-4D18-4306-A2EF-3AB9A865C50B}" type="datetimeFigureOut">
               <a:rPr lang="pt-BR" smtClean="0"/>
-              <a:t>12/11/2019</a:t>
+              <a:t>26/11/2019</a:t>
             </a:fld>
             <a:endParaRPr lang="pt-BR"/>
           </a:p>
@@ -701,7 +689,7 @@
           <a:p>
             <a:fld id="{8817D78E-4D18-4306-A2EF-3AB9A865C50B}" type="datetimeFigureOut">
               <a:rPr lang="pt-BR" smtClean="0"/>
-              <a:t>12/11/2019</a:t>
+              <a:t>26/11/2019</a:t>
             </a:fld>
             <a:endParaRPr lang="pt-BR"/>
           </a:p>
@@ -899,7 +887,7 @@
           <a:p>
             <a:fld id="{8817D78E-4D18-4306-A2EF-3AB9A865C50B}" type="datetimeFigureOut">
               <a:rPr lang="pt-BR" smtClean="0"/>
-              <a:t>12/11/2019</a:t>
+              <a:t>26/11/2019</a:t>
             </a:fld>
             <a:endParaRPr lang="pt-BR"/>
           </a:p>
@@ -1174,7 +1162,7 @@
           <a:p>
             <a:fld id="{8817D78E-4D18-4306-A2EF-3AB9A865C50B}" type="datetimeFigureOut">
               <a:rPr lang="pt-BR" smtClean="0"/>
-              <a:t>12/11/2019</a:t>
+              <a:t>26/11/2019</a:t>
             </a:fld>
             <a:endParaRPr lang="pt-BR"/>
           </a:p>
@@ -1439,7 +1427,7 @@
           <a:p>
             <a:fld id="{8817D78E-4D18-4306-A2EF-3AB9A865C50B}" type="datetimeFigureOut">
               <a:rPr lang="pt-BR" smtClean="0"/>
-              <a:t>12/11/2019</a:t>
+              <a:t>26/11/2019</a:t>
             </a:fld>
             <a:endParaRPr lang="pt-BR"/>
           </a:p>
@@ -1851,7 +1839,7 @@
           <a:p>
             <a:fld id="{8817D78E-4D18-4306-A2EF-3AB9A865C50B}" type="datetimeFigureOut">
               <a:rPr lang="pt-BR" smtClean="0"/>
-              <a:t>12/11/2019</a:t>
+              <a:t>26/11/2019</a:t>
             </a:fld>
             <a:endParaRPr lang="pt-BR"/>
           </a:p>
@@ -1992,7 +1980,7 @@
           <a:p>
             <a:fld id="{8817D78E-4D18-4306-A2EF-3AB9A865C50B}" type="datetimeFigureOut">
               <a:rPr lang="pt-BR" smtClean="0"/>
-              <a:t>12/11/2019</a:t>
+              <a:t>26/11/2019</a:t>
             </a:fld>
             <a:endParaRPr lang="pt-BR"/>
           </a:p>
@@ -2105,7 +2093,7 @@
           <a:p>
             <a:fld id="{8817D78E-4D18-4306-A2EF-3AB9A865C50B}" type="datetimeFigureOut">
               <a:rPr lang="pt-BR" smtClean="0"/>
-              <a:t>12/11/2019</a:t>
+              <a:t>26/11/2019</a:t>
             </a:fld>
             <a:endParaRPr lang="pt-BR"/>
           </a:p>
@@ -2416,7 +2404,7 @@
           <a:p>
             <a:fld id="{8817D78E-4D18-4306-A2EF-3AB9A865C50B}" type="datetimeFigureOut">
               <a:rPr lang="pt-BR" smtClean="0"/>
-              <a:t>12/11/2019</a:t>
+              <a:t>26/11/2019</a:t>
             </a:fld>
             <a:endParaRPr lang="pt-BR"/>
           </a:p>
@@ -2704,7 +2692,7 @@
           <a:p>
             <a:fld id="{8817D78E-4D18-4306-A2EF-3AB9A865C50B}" type="datetimeFigureOut">
               <a:rPr lang="pt-BR" smtClean="0"/>
-              <a:t>12/11/2019</a:t>
+              <a:t>26/11/2019</a:t>
             </a:fld>
             <a:endParaRPr lang="pt-BR"/>
           </a:p>
@@ -2945,7 +2933,7 @@
           <a:p>
             <a:fld id="{8817D78E-4D18-4306-A2EF-3AB9A865C50B}" type="datetimeFigureOut">
               <a:rPr lang="pt-BR" smtClean="0"/>
-              <a:t>12/11/2019</a:t>
+              <a:t>26/11/2019</a:t>
             </a:fld>
             <a:endParaRPr lang="pt-BR"/>
           </a:p>
@@ -3610,6 +3598,929 @@
       </p:grpSpPr>
       <p:sp>
         <p:nvSpPr>
+          <p:cNvPr id="3" name="Espaço Reservado para Conteúdo 2">
+            <a:extLst>
+              <a:ext uri="{FF2B5EF4-FFF2-40B4-BE49-F238E27FC236}">
+                <a16:creationId xmlns:a16="http://schemas.microsoft.com/office/drawing/2014/main" id="{C2FD92B9-093C-4C96-9B55-54BDBF6FBC83}"/>
+              </a:ext>
+            </a:extLst>
+          </p:cNvPr>
+          <p:cNvSpPr>
+            <a:spLocks noGrp="1"/>
+          </p:cNvSpPr>
+          <p:nvPr>
+            <p:ph idx="1"/>
+          </p:nvPr>
+        </p:nvSpPr>
+        <p:spPr>
+          <a:xfrm>
+            <a:off x="860004" y="810639"/>
+            <a:ext cx="6027057" cy="4351338"/>
+          </a:xfrm>
+        </p:spPr>
+        <p:txBody>
+          <a:bodyPr>
+            <a:normAutofit/>
+          </a:bodyPr>
+          <a:lstStyle/>
+          <a:p>
+            <a:pPr marL="0" indent="0">
+              <a:buNone/>
+            </a:pPr>
+            <a:r>
+              <a:rPr lang="pt-BR" sz="3600" dirty="0">
+                <a:solidFill>
+                  <a:schemeClr val="tx1">
+                    <a:lumMod val="65000"/>
+                    <a:lumOff val="35000"/>
+                  </a:schemeClr>
+                </a:solidFill>
+                <a:effectLst>
+                  <a:outerShdw blurRad="38100" dist="38100" dir="2700000" algn="tl">
+                    <a:srgbClr val="000000">
+                      <a:alpha val="43137"/>
+                    </a:srgbClr>
+                  </a:outerShdw>
+                </a:effectLst>
+                <a:cs typeface="Arial" panose="020B0604020202020204" pitchFamily="34" charset="0"/>
+              </a:rPr>
+              <a:t>Tela inicial do game</a:t>
+            </a:r>
+          </a:p>
+        </p:txBody>
+      </p:sp>
+      <p:sp>
+        <p:nvSpPr>
+          <p:cNvPr id="6" name="Espaço Reservado para Conteúdo 2">
+            <a:extLst>
+              <a:ext uri="{FF2B5EF4-FFF2-40B4-BE49-F238E27FC236}">
+                <a16:creationId xmlns:a16="http://schemas.microsoft.com/office/drawing/2014/main" id="{05AEBAF6-EE54-400B-A4A9-61DFFE5EFE64}"/>
+              </a:ext>
+            </a:extLst>
+          </p:cNvPr>
+          <p:cNvSpPr txBox="1">
+            <a:spLocks/>
+          </p:cNvSpPr>
+          <p:nvPr/>
+        </p:nvSpPr>
+        <p:spPr>
+          <a:xfrm>
+            <a:off x="7463940" y="810639"/>
+            <a:ext cx="3061403" cy="4351338"/>
+          </a:xfrm>
+          <a:prstGeom prst="rect">
+            <a:avLst/>
+          </a:prstGeom>
+        </p:spPr>
+        <p:txBody>
+          <a:bodyPr vert="horz" lIns="91440" tIns="45720" rIns="91440" bIns="45720" rtlCol="0">
+            <a:normAutofit/>
+          </a:bodyPr>
+          <a:lstStyle>
+            <a:lvl1pPr marL="228600" indent="-228600" algn="l" defTabSz="914400" rtl="0" eaLnBrk="1" latinLnBrk="0" hangingPunct="1">
+              <a:lnSpc>
+                <a:spcPct val="90000"/>
+              </a:lnSpc>
+              <a:spcBef>
+                <a:spcPts val="1000"/>
+              </a:spcBef>
+              <a:buFont typeface="Arial" panose="020B0604020202020204" pitchFamily="34" charset="0"/>
+              <a:buChar char="•"/>
+              <a:defRPr sz="2800" kern="1200">
+                <a:solidFill>
+                  <a:schemeClr val="tx1"/>
+                </a:solidFill>
+                <a:latin typeface="+mn-lt"/>
+                <a:ea typeface="+mn-ea"/>
+                <a:cs typeface="+mn-cs"/>
+              </a:defRPr>
+            </a:lvl1pPr>
+            <a:lvl2pPr marL="685800" indent="-228600" algn="l" defTabSz="914400" rtl="0" eaLnBrk="1" latinLnBrk="0" hangingPunct="1">
+              <a:lnSpc>
+                <a:spcPct val="90000"/>
+              </a:lnSpc>
+              <a:spcBef>
+                <a:spcPts val="500"/>
+              </a:spcBef>
+              <a:buFont typeface="Arial" panose="020B0604020202020204" pitchFamily="34" charset="0"/>
+              <a:buChar char="•"/>
+              <a:defRPr sz="2400" kern="1200">
+                <a:solidFill>
+                  <a:schemeClr val="tx1"/>
+                </a:solidFill>
+                <a:latin typeface="+mn-lt"/>
+                <a:ea typeface="+mn-ea"/>
+                <a:cs typeface="+mn-cs"/>
+              </a:defRPr>
+            </a:lvl2pPr>
+            <a:lvl3pPr marL="1143000" indent="-228600" algn="l" defTabSz="914400" rtl="0" eaLnBrk="1" latinLnBrk="0" hangingPunct="1">
+              <a:lnSpc>
+                <a:spcPct val="90000"/>
+              </a:lnSpc>
+              <a:spcBef>
+                <a:spcPts val="500"/>
+              </a:spcBef>
+              <a:buFont typeface="Arial" panose="020B0604020202020204" pitchFamily="34" charset="0"/>
+              <a:buChar char="•"/>
+              <a:defRPr sz="2000" kern="1200">
+                <a:solidFill>
+                  <a:schemeClr val="tx1"/>
+                </a:solidFill>
+                <a:latin typeface="+mn-lt"/>
+                <a:ea typeface="+mn-ea"/>
+                <a:cs typeface="+mn-cs"/>
+              </a:defRPr>
+            </a:lvl3pPr>
+            <a:lvl4pPr marL="1600200" indent="-228600" algn="l" defTabSz="914400" rtl="0" eaLnBrk="1" latinLnBrk="0" hangingPunct="1">
+              <a:lnSpc>
+                <a:spcPct val="90000"/>
+              </a:lnSpc>
+              <a:spcBef>
+                <a:spcPts val="500"/>
+              </a:spcBef>
+              <a:buFont typeface="Arial" panose="020B0604020202020204" pitchFamily="34" charset="0"/>
+              <a:buChar char="•"/>
+              <a:defRPr sz="1800" kern="1200">
+                <a:solidFill>
+                  <a:schemeClr val="tx1"/>
+                </a:solidFill>
+                <a:latin typeface="+mn-lt"/>
+                <a:ea typeface="+mn-ea"/>
+                <a:cs typeface="+mn-cs"/>
+              </a:defRPr>
+            </a:lvl4pPr>
+            <a:lvl5pPr marL="2057400" indent="-228600" algn="l" defTabSz="914400" rtl="0" eaLnBrk="1" latinLnBrk="0" hangingPunct="1">
+              <a:lnSpc>
+                <a:spcPct val="90000"/>
+              </a:lnSpc>
+              <a:spcBef>
+                <a:spcPts val="500"/>
+              </a:spcBef>
+              <a:buFont typeface="Arial" panose="020B0604020202020204" pitchFamily="34" charset="0"/>
+              <a:buChar char="•"/>
+              <a:defRPr sz="1800" kern="1200">
+                <a:solidFill>
+                  <a:schemeClr val="tx1"/>
+                </a:solidFill>
+                <a:latin typeface="+mn-lt"/>
+                <a:ea typeface="+mn-ea"/>
+                <a:cs typeface="+mn-cs"/>
+              </a:defRPr>
+            </a:lvl5pPr>
+            <a:lvl6pPr marL="2514600" indent="-228600" algn="l" defTabSz="914400" rtl="0" eaLnBrk="1" latinLnBrk="0" hangingPunct="1">
+              <a:lnSpc>
+                <a:spcPct val="90000"/>
+              </a:lnSpc>
+              <a:spcBef>
+                <a:spcPts val="500"/>
+              </a:spcBef>
+              <a:buFont typeface="Arial" panose="020B0604020202020204" pitchFamily="34" charset="0"/>
+              <a:buChar char="•"/>
+              <a:defRPr sz="1800" kern="1200">
+                <a:solidFill>
+                  <a:schemeClr val="tx1"/>
+                </a:solidFill>
+                <a:latin typeface="+mn-lt"/>
+                <a:ea typeface="+mn-ea"/>
+                <a:cs typeface="+mn-cs"/>
+              </a:defRPr>
+            </a:lvl6pPr>
+            <a:lvl7pPr marL="2971800" indent="-228600" algn="l" defTabSz="914400" rtl="0" eaLnBrk="1" latinLnBrk="0" hangingPunct="1">
+              <a:lnSpc>
+                <a:spcPct val="90000"/>
+              </a:lnSpc>
+              <a:spcBef>
+                <a:spcPts val="500"/>
+              </a:spcBef>
+              <a:buFont typeface="Arial" panose="020B0604020202020204" pitchFamily="34" charset="0"/>
+              <a:buChar char="•"/>
+              <a:defRPr sz="1800" kern="1200">
+                <a:solidFill>
+                  <a:schemeClr val="tx1"/>
+                </a:solidFill>
+                <a:latin typeface="+mn-lt"/>
+                <a:ea typeface="+mn-ea"/>
+                <a:cs typeface="+mn-cs"/>
+              </a:defRPr>
+            </a:lvl7pPr>
+            <a:lvl8pPr marL="3429000" indent="-228600" algn="l" defTabSz="914400" rtl="0" eaLnBrk="1" latinLnBrk="0" hangingPunct="1">
+              <a:lnSpc>
+                <a:spcPct val="90000"/>
+              </a:lnSpc>
+              <a:spcBef>
+                <a:spcPts val="500"/>
+              </a:spcBef>
+              <a:buFont typeface="Arial" panose="020B0604020202020204" pitchFamily="34" charset="0"/>
+              <a:buChar char="•"/>
+              <a:defRPr sz="1800" kern="1200">
+                <a:solidFill>
+                  <a:schemeClr val="tx1"/>
+                </a:solidFill>
+                <a:latin typeface="+mn-lt"/>
+                <a:ea typeface="+mn-ea"/>
+                <a:cs typeface="+mn-cs"/>
+              </a:defRPr>
+            </a:lvl8pPr>
+            <a:lvl9pPr marL="3886200" indent="-228600" algn="l" defTabSz="914400" rtl="0" eaLnBrk="1" latinLnBrk="0" hangingPunct="1">
+              <a:lnSpc>
+                <a:spcPct val="90000"/>
+              </a:lnSpc>
+              <a:spcBef>
+                <a:spcPts val="500"/>
+              </a:spcBef>
+              <a:buFont typeface="Arial" panose="020B0604020202020204" pitchFamily="34" charset="0"/>
+              <a:buChar char="•"/>
+              <a:defRPr sz="1800" kern="1200">
+                <a:solidFill>
+                  <a:schemeClr val="tx1"/>
+                </a:solidFill>
+                <a:latin typeface="+mn-lt"/>
+                <a:ea typeface="+mn-ea"/>
+                <a:cs typeface="+mn-cs"/>
+              </a:defRPr>
+            </a:lvl9pPr>
+          </a:lstStyle>
+          <a:p>
+            <a:pPr marL="0" indent="0">
+              <a:buNone/>
+            </a:pPr>
+            <a:r>
+              <a:rPr lang="pt-BR" sz="3600" dirty="0">
+                <a:solidFill>
+                  <a:schemeClr val="tx1">
+                    <a:lumMod val="65000"/>
+                    <a:lumOff val="35000"/>
+                  </a:schemeClr>
+                </a:solidFill>
+                <a:effectLst>
+                  <a:outerShdw blurRad="38100" dist="38100" dir="2700000" algn="tl">
+                    <a:srgbClr val="000000">
+                      <a:alpha val="43137"/>
+                    </a:srgbClr>
+                  </a:outerShdw>
+                </a:effectLst>
+                <a:cs typeface="Arial" panose="020B0604020202020204" pitchFamily="34" charset="0"/>
+              </a:rPr>
+              <a:t>Tela do jogo</a:t>
+            </a:r>
+          </a:p>
+          <a:p>
+            <a:endParaRPr lang="pt-BR" dirty="0">
+              <a:latin typeface="Arial" panose="020B0604020202020204" pitchFamily="34" charset="0"/>
+              <a:cs typeface="Arial" panose="020B0604020202020204" pitchFamily="34" charset="0"/>
+            </a:endParaRPr>
+          </a:p>
+        </p:txBody>
+      </p:sp>
+      <p:pic>
+        <p:nvPicPr>
+          <p:cNvPr id="4" name="Imagem 3">
+            <a:extLst>
+              <a:ext uri="{FF2B5EF4-FFF2-40B4-BE49-F238E27FC236}">
+                <a16:creationId xmlns:a16="http://schemas.microsoft.com/office/drawing/2014/main" id="{3602BF64-18FB-4B64-A00C-AA35F92B26D4}"/>
+              </a:ext>
+            </a:extLst>
+          </p:cNvPr>
+          <p:cNvPicPr>
+            <a:picLocks noChangeAspect="1"/>
+          </p:cNvPicPr>
+          <p:nvPr/>
+        </p:nvPicPr>
+        <p:blipFill>
+          <a:blip r:embed="rId2">
+            <a:extLst>
+              <a:ext uri="{28A0092B-C50C-407E-A947-70E740481C1C}">
+                <a14:useLocalDpi xmlns:a14="http://schemas.microsoft.com/office/drawing/2010/main" val="0"/>
+              </a:ext>
+            </a:extLst>
+          </a:blip>
+          <a:stretch>
+            <a:fillRect/>
+          </a:stretch>
+        </p:blipFill>
+        <p:spPr>
+          <a:xfrm>
+            <a:off x="164379" y="1454770"/>
+            <a:ext cx="5474813" cy="3076845"/>
+          </a:xfrm>
+          <a:prstGeom prst="rect">
+            <a:avLst/>
+          </a:prstGeom>
+        </p:spPr>
+      </p:pic>
+      <p:pic>
+        <p:nvPicPr>
+          <p:cNvPr id="11" name="Imagem 10">
+            <a:extLst>
+              <a:ext uri="{FF2B5EF4-FFF2-40B4-BE49-F238E27FC236}">
+                <a16:creationId xmlns:a16="http://schemas.microsoft.com/office/drawing/2014/main" id="{D752622A-08B6-4029-8B34-C88847530909}"/>
+              </a:ext>
+            </a:extLst>
+          </p:cNvPr>
+          <p:cNvPicPr>
+            <a:picLocks noChangeAspect="1"/>
+          </p:cNvPicPr>
+          <p:nvPr/>
+        </p:nvPicPr>
+        <p:blipFill>
+          <a:blip r:embed="rId3">
+            <a:extLst>
+              <a:ext uri="{28A0092B-C50C-407E-A947-70E740481C1C}">
+                <a14:useLocalDpi xmlns:a14="http://schemas.microsoft.com/office/drawing/2010/main" val="0"/>
+              </a:ext>
+            </a:extLst>
+          </a:blip>
+          <a:stretch>
+            <a:fillRect/>
+          </a:stretch>
+        </p:blipFill>
+        <p:spPr>
+          <a:xfrm>
+            <a:off x="5762001" y="1454770"/>
+            <a:ext cx="5854744" cy="3255238"/>
+          </a:xfrm>
+          <a:prstGeom prst="rect">
+            <a:avLst/>
+          </a:prstGeom>
+        </p:spPr>
+      </p:pic>
+    </p:spTree>
+    <p:extLst>
+      <p:ext uri="{BB962C8B-B14F-4D97-AF65-F5344CB8AC3E}">
+        <p14:creationId xmlns:p14="http://schemas.microsoft.com/office/powerpoint/2010/main" val="2843784898"/>
+      </p:ext>
+    </p:extLst>
+  </p:cSld>
+  <p:clrMapOvr>
+    <a:masterClrMapping/>
+  </p:clrMapOvr>
+</p:sld>
+</file>
+
+<file path=ppt/slides/slide11.xml><?xml version="1.0" encoding="utf-8"?>
+<p:sld xmlns:a="http://schemas.openxmlformats.org/drawingml/2006/main" xmlns:r="http://schemas.openxmlformats.org/officeDocument/2006/relationships" xmlns:p="http://schemas.openxmlformats.org/presentationml/2006/main">
+  <p:cSld>
+    <p:spTree>
+      <p:nvGrpSpPr>
+        <p:cNvPr id="1" name=""/>
+        <p:cNvGrpSpPr/>
+        <p:nvPr/>
+      </p:nvGrpSpPr>
+      <p:grpSpPr>
+        <a:xfrm>
+          <a:off x="0" y="0"/>
+          <a:ext cx="0" cy="0"/>
+          <a:chOff x="0" y="0"/>
+          <a:chExt cx="0" cy="0"/>
+        </a:xfrm>
+      </p:grpSpPr>
+      <p:sp>
+        <p:nvSpPr>
+          <p:cNvPr id="2" name="Título 1">
+            <a:extLst>
+              <a:ext uri="{FF2B5EF4-FFF2-40B4-BE49-F238E27FC236}">
+                <a16:creationId xmlns:a16="http://schemas.microsoft.com/office/drawing/2014/main" id="{3879A59D-8CA4-433C-A187-492B2670A621}"/>
+              </a:ext>
+            </a:extLst>
+          </p:cNvPr>
+          <p:cNvSpPr>
+            <a:spLocks noGrp="1"/>
+          </p:cNvSpPr>
+          <p:nvPr>
+            <p:ph type="title"/>
+          </p:nvPr>
+        </p:nvSpPr>
+        <p:spPr/>
+        <p:txBody>
+          <a:bodyPr>
+            <a:normAutofit/>
+          </a:bodyPr>
+          <a:lstStyle/>
+          <a:p>
+            <a:pPr algn="ctr"/>
+            <a:r>
+              <a:rPr lang="pt-BR" sz="4800" b="1" dirty="0">
+                <a:solidFill>
+                  <a:srgbClr val="FF0000"/>
+                </a:solidFill>
+                <a:effectLst>
+                  <a:outerShdw blurRad="38100" dist="38100" dir="2700000" algn="tl">
+                    <a:srgbClr val="000000">
+                      <a:alpha val="43137"/>
+                    </a:srgbClr>
+                  </a:outerShdw>
+                </a:effectLst>
+                <a:latin typeface="+mn-lt"/>
+                <a:cs typeface="Arial" panose="020B0604020202020204" pitchFamily="34" charset="0"/>
+              </a:rPr>
+              <a:t>História</a:t>
+            </a:r>
+          </a:p>
+        </p:txBody>
+      </p:sp>
+      <p:sp>
+        <p:nvSpPr>
+          <p:cNvPr id="3" name="Espaço Reservado para Conteúdo 2">
+            <a:extLst>
+              <a:ext uri="{FF2B5EF4-FFF2-40B4-BE49-F238E27FC236}">
+                <a16:creationId xmlns:a16="http://schemas.microsoft.com/office/drawing/2014/main" id="{A664D39E-3A88-4519-9A74-215ED8B1D21D}"/>
+              </a:ext>
+            </a:extLst>
+          </p:cNvPr>
+          <p:cNvSpPr>
+            <a:spLocks noGrp="1"/>
+          </p:cNvSpPr>
+          <p:nvPr>
+            <p:ph idx="4294967295"/>
+          </p:nvPr>
+        </p:nvSpPr>
+        <p:spPr>
+          <a:xfrm>
+            <a:off x="546545" y="1690688"/>
+            <a:ext cx="7508883" cy="3778250"/>
+          </a:xfrm>
+        </p:spPr>
+        <p:txBody>
+          <a:bodyPr>
+            <a:normAutofit fontScale="70000" lnSpcReduction="20000"/>
+          </a:bodyPr>
+          <a:lstStyle/>
+          <a:p>
+            <a:pPr marL="0" indent="0" algn="just">
+              <a:buNone/>
+            </a:pPr>
+            <a:r>
+              <a:rPr lang="pt-BR" sz="3900" dirty="0">
+                <a:solidFill>
+                  <a:schemeClr val="tx1">
+                    <a:lumMod val="65000"/>
+                    <a:lumOff val="35000"/>
+                  </a:schemeClr>
+                </a:solidFill>
+                <a:effectLst>
+                  <a:outerShdw blurRad="38100" dist="38100" dir="2700000" algn="tl">
+                    <a:srgbClr val="000000">
+                      <a:alpha val="43137"/>
+                    </a:srgbClr>
+                  </a:outerShdw>
+                </a:effectLst>
+                <a:cs typeface="Arial" panose="020B0604020202020204" pitchFamily="34" charset="0"/>
+              </a:rPr>
+              <a:t>A universidade </a:t>
+            </a:r>
+            <a:r>
+              <a:rPr lang="pt-BR" sz="3900" b="1" dirty="0">
+                <a:solidFill>
+                  <a:srgbClr val="FF0000"/>
+                </a:solidFill>
+                <a:effectLst>
+                  <a:outerShdw blurRad="38100" dist="38100" dir="2700000" algn="tl">
+                    <a:srgbClr val="000000">
+                      <a:alpha val="43137"/>
+                    </a:srgbClr>
+                  </a:outerShdw>
+                </a:effectLst>
+                <a:cs typeface="Arial" panose="020B0604020202020204" pitchFamily="34" charset="0"/>
+              </a:rPr>
+              <a:t>UNA</a:t>
+            </a:r>
+            <a:r>
+              <a:rPr lang="pt-BR" sz="3900" dirty="0">
+                <a:solidFill>
+                  <a:schemeClr val="tx1">
+                    <a:lumMod val="65000"/>
+                    <a:lumOff val="35000"/>
+                  </a:schemeClr>
+                </a:solidFill>
+                <a:effectLst>
+                  <a:outerShdw blurRad="38100" dist="38100" dir="2700000" algn="tl">
+                    <a:srgbClr val="000000">
+                      <a:alpha val="43137"/>
+                    </a:srgbClr>
+                  </a:outerShdw>
+                </a:effectLst>
+                <a:cs typeface="Arial" panose="020B0604020202020204" pitchFamily="34" charset="0"/>
+              </a:rPr>
+              <a:t> foi controlada pela organização </a:t>
+            </a:r>
+            <a:r>
+              <a:rPr lang="pt-BR" sz="3900" b="1" dirty="0">
+                <a:solidFill>
+                  <a:schemeClr val="tx1">
+                    <a:lumMod val="65000"/>
+                    <a:lumOff val="35000"/>
+                  </a:schemeClr>
+                </a:solidFill>
+                <a:effectLst>
+                  <a:outerShdw blurRad="38100" dist="38100" dir="2700000" algn="tl">
+                    <a:srgbClr val="000000">
+                      <a:alpha val="43137"/>
+                    </a:srgbClr>
+                  </a:outerShdw>
+                </a:effectLst>
+                <a:cs typeface="Arial" panose="020B0604020202020204" pitchFamily="34" charset="0"/>
+              </a:rPr>
+              <a:t>“</a:t>
+            </a:r>
+            <a:r>
+              <a:rPr lang="pt-BR" sz="3900" b="1" dirty="0" err="1">
+                <a:solidFill>
+                  <a:srgbClr val="7030A0"/>
+                </a:solidFill>
+                <a:effectLst>
+                  <a:outerShdw blurRad="38100" dist="38100" dir="2700000" algn="tl">
+                    <a:srgbClr val="000000">
+                      <a:alpha val="43137"/>
+                    </a:srgbClr>
+                  </a:outerShdw>
+                </a:effectLst>
+                <a:cs typeface="Arial" panose="020B0604020202020204" pitchFamily="34" charset="0"/>
+              </a:rPr>
+              <a:t>Desânima</a:t>
+            </a:r>
+            <a:r>
+              <a:rPr lang="pt-BR" sz="3900" b="1" dirty="0">
+                <a:solidFill>
+                  <a:schemeClr val="tx1">
+                    <a:lumMod val="65000"/>
+                    <a:lumOff val="35000"/>
+                  </a:schemeClr>
+                </a:solidFill>
+                <a:effectLst>
+                  <a:outerShdw blurRad="38100" dist="38100" dir="2700000" algn="tl">
+                    <a:srgbClr val="000000">
+                      <a:alpha val="43137"/>
+                    </a:srgbClr>
+                  </a:outerShdw>
+                </a:effectLst>
+                <a:cs typeface="Arial" panose="020B0604020202020204" pitchFamily="34" charset="0"/>
+              </a:rPr>
+              <a:t>”, </a:t>
+            </a:r>
+            <a:r>
+              <a:rPr lang="pt-BR" sz="3900" dirty="0">
+                <a:solidFill>
+                  <a:schemeClr val="tx1">
+                    <a:lumMod val="65000"/>
+                    <a:lumOff val="35000"/>
+                  </a:schemeClr>
+                </a:solidFill>
+                <a:effectLst>
+                  <a:outerShdw blurRad="38100" dist="38100" dir="2700000" algn="tl">
+                    <a:srgbClr val="000000">
+                      <a:alpha val="43137"/>
+                    </a:srgbClr>
+                  </a:outerShdw>
+                </a:effectLst>
+                <a:cs typeface="Arial" panose="020B0604020202020204" pitchFamily="34" charset="0"/>
+              </a:rPr>
+              <a:t>enfeitiçando todos os professores e usando-os como fantoche para lecionarem aulas com má vontade. </a:t>
+            </a:r>
+          </a:p>
+          <a:p>
+            <a:pPr marL="0" indent="0" algn="just">
+              <a:buNone/>
+            </a:pPr>
+            <a:r>
+              <a:rPr lang="pt-BR" sz="3900" dirty="0">
+                <a:solidFill>
+                  <a:schemeClr val="tx1">
+                    <a:lumMod val="65000"/>
+                    <a:lumOff val="35000"/>
+                  </a:schemeClr>
+                </a:solidFill>
+                <a:effectLst>
+                  <a:outerShdw blurRad="38100" dist="38100" dir="2700000" algn="tl">
+                    <a:srgbClr val="000000">
+                      <a:alpha val="43137"/>
+                    </a:srgbClr>
+                  </a:outerShdw>
+                </a:effectLst>
+                <a:cs typeface="Arial" panose="020B0604020202020204" pitchFamily="34" charset="0"/>
+              </a:rPr>
+              <a:t>Percebendo a seriedade do problema, o grupo </a:t>
+            </a:r>
+            <a:r>
+              <a:rPr lang="pt-BR" sz="3900" b="1" dirty="0" err="1">
+                <a:solidFill>
+                  <a:srgbClr val="00B0F0"/>
+                </a:solidFill>
+                <a:effectLst>
+                  <a:outerShdw blurRad="38100" dist="38100" dir="2700000" algn="tl">
+                    <a:srgbClr val="000000">
+                      <a:alpha val="43137"/>
+                    </a:srgbClr>
+                  </a:outerShdw>
+                </a:effectLst>
+                <a:cs typeface="Arial" panose="020B0604020202020204" pitchFamily="34" charset="0"/>
+              </a:rPr>
+              <a:t>Ânima</a:t>
+            </a:r>
+            <a:r>
+              <a:rPr lang="pt-BR" sz="3900" dirty="0">
+                <a:solidFill>
+                  <a:schemeClr val="tx1">
+                    <a:lumMod val="65000"/>
+                    <a:lumOff val="35000"/>
+                  </a:schemeClr>
+                </a:solidFill>
+                <a:effectLst>
+                  <a:outerShdw blurRad="38100" dist="38100" dir="2700000" algn="tl">
+                    <a:srgbClr val="000000">
+                      <a:alpha val="43137"/>
+                    </a:srgbClr>
+                  </a:outerShdw>
+                </a:effectLst>
+                <a:cs typeface="Arial" panose="020B0604020202020204" pitchFamily="34" charset="0"/>
+              </a:rPr>
+              <a:t>, convoca as únicas pessoas capazes de reverter o feitiço e impedir a ameaça.</a:t>
+            </a:r>
+          </a:p>
+          <a:p>
+            <a:pPr marL="0" indent="0" algn="just">
+              <a:buNone/>
+            </a:pPr>
+            <a:r>
+              <a:rPr lang="pt-BR" sz="3900" dirty="0">
+                <a:solidFill>
+                  <a:schemeClr val="tx1">
+                    <a:lumMod val="65000"/>
+                    <a:lumOff val="35000"/>
+                  </a:schemeClr>
+                </a:solidFill>
+                <a:effectLst>
+                  <a:outerShdw blurRad="38100" dist="38100" dir="2700000" algn="tl">
+                    <a:srgbClr val="000000">
+                      <a:alpha val="43137"/>
+                    </a:srgbClr>
+                  </a:outerShdw>
+                </a:effectLst>
+                <a:cs typeface="Arial" panose="020B0604020202020204" pitchFamily="34" charset="0"/>
+              </a:rPr>
+              <a:t>Conhecidos como </a:t>
+            </a:r>
+            <a:r>
+              <a:rPr lang="pt-BR" sz="3900" b="1" dirty="0">
+                <a:solidFill>
+                  <a:srgbClr val="FFFF00"/>
+                </a:solidFill>
+                <a:effectLst>
+                  <a:outerShdw blurRad="38100" dist="38100" dir="2700000" algn="tl">
+                    <a:srgbClr val="000000">
+                      <a:alpha val="43137"/>
+                    </a:srgbClr>
+                  </a:outerShdw>
+                </a:effectLst>
+                <a:cs typeface="Arial" panose="020B0604020202020204" pitchFamily="34" charset="0"/>
+              </a:rPr>
+              <a:t>Sistemáticos</a:t>
+            </a:r>
+            <a:r>
+              <a:rPr lang="pt-BR" sz="3900" dirty="0">
+                <a:solidFill>
+                  <a:schemeClr val="tx1">
+                    <a:lumMod val="65000"/>
+                    <a:lumOff val="35000"/>
+                  </a:schemeClr>
+                </a:solidFill>
+                <a:effectLst>
+                  <a:outerShdw blurRad="38100" dist="38100" dir="2700000" algn="tl">
+                    <a:srgbClr val="000000">
+                      <a:alpha val="43137"/>
+                    </a:srgbClr>
+                  </a:outerShdw>
+                </a:effectLst>
+                <a:cs typeface="Arial" panose="020B0604020202020204" pitchFamily="34" charset="0"/>
+              </a:rPr>
+              <a:t>, o grupo de heróis tem o dever de derrotar a </a:t>
+            </a:r>
+            <a:r>
+              <a:rPr lang="pt-BR" sz="3900" b="1" dirty="0">
+                <a:solidFill>
+                  <a:schemeClr val="tx1">
+                    <a:lumMod val="65000"/>
+                    <a:lumOff val="35000"/>
+                  </a:schemeClr>
+                </a:solidFill>
+                <a:effectLst>
+                  <a:outerShdw blurRad="38100" dist="38100" dir="2700000" algn="tl">
+                    <a:srgbClr val="000000">
+                      <a:alpha val="43137"/>
+                    </a:srgbClr>
+                  </a:outerShdw>
+                </a:effectLst>
+                <a:cs typeface="Arial" panose="020B0604020202020204" pitchFamily="34" charset="0"/>
+              </a:rPr>
+              <a:t>“</a:t>
+            </a:r>
+            <a:r>
+              <a:rPr lang="pt-BR" sz="3900" b="1" dirty="0" err="1">
+                <a:solidFill>
+                  <a:srgbClr val="7030A0"/>
+                </a:solidFill>
+                <a:effectLst>
+                  <a:outerShdw blurRad="38100" dist="38100" dir="2700000" algn="tl">
+                    <a:srgbClr val="000000">
+                      <a:alpha val="43137"/>
+                    </a:srgbClr>
+                  </a:outerShdw>
+                </a:effectLst>
+                <a:cs typeface="Arial" panose="020B0604020202020204" pitchFamily="34" charset="0"/>
+              </a:rPr>
+              <a:t>Desânima</a:t>
+            </a:r>
+            <a:r>
+              <a:rPr lang="pt-BR" sz="3900" b="1" dirty="0">
+                <a:solidFill>
+                  <a:schemeClr val="tx1">
+                    <a:lumMod val="65000"/>
+                    <a:lumOff val="35000"/>
+                  </a:schemeClr>
+                </a:solidFill>
+                <a:effectLst>
+                  <a:outerShdw blurRad="38100" dist="38100" dir="2700000" algn="tl">
+                    <a:srgbClr val="000000">
+                      <a:alpha val="43137"/>
+                    </a:srgbClr>
+                  </a:outerShdw>
+                </a:effectLst>
+                <a:cs typeface="Arial" panose="020B0604020202020204" pitchFamily="34" charset="0"/>
+              </a:rPr>
+              <a:t>” </a:t>
+            </a:r>
+            <a:r>
+              <a:rPr lang="pt-BR" sz="3900" dirty="0">
+                <a:solidFill>
+                  <a:schemeClr val="tx1">
+                    <a:lumMod val="65000"/>
+                    <a:lumOff val="35000"/>
+                  </a:schemeClr>
+                </a:solidFill>
+                <a:effectLst>
+                  <a:outerShdw blurRad="38100" dist="38100" dir="2700000" algn="tl">
+                    <a:srgbClr val="000000">
+                      <a:alpha val="43137"/>
+                    </a:srgbClr>
+                  </a:outerShdw>
+                </a:effectLst>
+                <a:cs typeface="Arial" panose="020B0604020202020204" pitchFamily="34" charset="0"/>
+              </a:rPr>
+              <a:t>e salvar os professores que foram corrompidos com a arte maligna do desleixo.</a:t>
+            </a:r>
+          </a:p>
+          <a:p>
+            <a:endParaRPr lang="pt-BR" dirty="0">
+              <a:solidFill>
+                <a:schemeClr val="tx1"/>
+              </a:solidFill>
+              <a:cs typeface="Arial" panose="020B0604020202020204" pitchFamily="34" charset="0"/>
+            </a:endParaRPr>
+          </a:p>
+          <a:p>
+            <a:endParaRPr lang="pt-BR" dirty="0">
+              <a:solidFill>
+                <a:schemeClr val="tx1"/>
+              </a:solidFill>
+              <a:cs typeface="Arial" panose="020B0604020202020204" pitchFamily="34" charset="0"/>
+            </a:endParaRPr>
+          </a:p>
+          <a:p>
+            <a:endParaRPr lang="pt-BR" dirty="0"/>
+          </a:p>
+        </p:txBody>
+      </p:sp>
+      <p:pic>
+        <p:nvPicPr>
+          <p:cNvPr id="5" name="Imagem 4">
+            <a:extLst>
+              <a:ext uri="{FF2B5EF4-FFF2-40B4-BE49-F238E27FC236}">
+                <a16:creationId xmlns:a16="http://schemas.microsoft.com/office/drawing/2014/main" id="{24CD6FBE-8F30-41EF-8BF5-1C5B70F17B66}"/>
+              </a:ext>
+            </a:extLst>
+          </p:cNvPr>
+          <p:cNvPicPr>
+            <a:picLocks noChangeAspect="1"/>
+          </p:cNvPicPr>
+          <p:nvPr/>
+        </p:nvPicPr>
+        <p:blipFill>
+          <a:blip r:embed="rId2">
+            <a:extLst>
+              <a:ext uri="{28A0092B-C50C-407E-A947-70E740481C1C}">
+                <a14:useLocalDpi xmlns:a14="http://schemas.microsoft.com/office/drawing/2010/main" val="0"/>
+              </a:ext>
+            </a:extLst>
+          </a:blip>
+          <a:stretch>
+            <a:fillRect/>
+          </a:stretch>
+        </p:blipFill>
+        <p:spPr>
+          <a:xfrm flipH="1">
+            <a:off x="7543807" y="328023"/>
+            <a:ext cx="6210293" cy="5855970"/>
+          </a:xfrm>
+          <a:prstGeom prst="rect">
+            <a:avLst/>
+          </a:prstGeom>
+        </p:spPr>
+      </p:pic>
+      <p:sp>
+        <p:nvSpPr>
+          <p:cNvPr id="10" name="Retângulo 9">
+            <a:extLst>
+              <a:ext uri="{FF2B5EF4-FFF2-40B4-BE49-F238E27FC236}">
+                <a16:creationId xmlns:a16="http://schemas.microsoft.com/office/drawing/2014/main" id="{DEAD5FC3-92FD-49D9-8B18-230B5423BB37}"/>
+              </a:ext>
+            </a:extLst>
+          </p:cNvPr>
+          <p:cNvSpPr/>
+          <p:nvPr/>
+        </p:nvSpPr>
+        <p:spPr>
+          <a:xfrm>
+            <a:off x="116114" y="5573486"/>
+            <a:ext cx="11974286" cy="1221015"/>
+          </a:xfrm>
+          <a:prstGeom prst="rect">
+            <a:avLst/>
+          </a:prstGeom>
+          <a:solidFill>
+            <a:srgbClr val="C00000"/>
+          </a:solidFill>
+        </p:spPr>
+        <p:style>
+          <a:lnRef idx="2">
+            <a:schemeClr val="accent1">
+              <a:shade val="50000"/>
+            </a:schemeClr>
+          </a:lnRef>
+          <a:fillRef idx="1">
+            <a:schemeClr val="accent1"/>
+          </a:fillRef>
+          <a:effectRef idx="0">
+            <a:schemeClr val="accent1"/>
+          </a:effectRef>
+          <a:fontRef idx="minor">
+            <a:schemeClr val="lt1"/>
+          </a:fontRef>
+        </p:style>
+        <p:txBody>
+          <a:bodyPr rtlCol="0" anchor="ctr"/>
+          <a:lstStyle/>
+          <a:p>
+            <a:pPr algn="ctr"/>
+            <a:r>
+              <a:rPr lang="pt-BR" sz="6000" b="1" dirty="0">
+                <a:solidFill>
+                  <a:srgbClr val="FFFF00"/>
+                </a:solidFill>
+                <a:effectLst>
+                  <a:outerShdw blurRad="38100" dist="38100" dir="2700000" algn="tl">
+                    <a:srgbClr val="000000">
+                      <a:alpha val="43137"/>
+                    </a:srgbClr>
+                  </a:outerShdw>
+                </a:effectLst>
+                <a:latin typeface="Agency FB" panose="020B0503020202020204" pitchFamily="34" charset="0"/>
+              </a:rPr>
+              <a:t>UNA FIGTHERS</a:t>
+            </a:r>
+          </a:p>
+        </p:txBody>
+      </p:sp>
+    </p:spTree>
+    <p:extLst>
+      <p:ext uri="{BB962C8B-B14F-4D97-AF65-F5344CB8AC3E}">
+        <p14:creationId xmlns:p14="http://schemas.microsoft.com/office/powerpoint/2010/main" val="5172757"/>
+      </p:ext>
+    </p:extLst>
+  </p:cSld>
+  <p:clrMapOvr>
+    <a:masterClrMapping/>
+  </p:clrMapOvr>
+</p:sld>
+</file>
+
+<file path=ppt/slides/slide12.xml><?xml version="1.0" encoding="utf-8"?>
+<p:sld xmlns:a="http://schemas.openxmlformats.org/drawingml/2006/main" xmlns:r="http://schemas.openxmlformats.org/officeDocument/2006/relationships" xmlns:p="http://schemas.openxmlformats.org/presentationml/2006/main">
+  <p:cSld>
+    <p:spTree>
+      <p:nvGrpSpPr>
+        <p:cNvPr id="1" name=""/>
+        <p:cNvGrpSpPr/>
+        <p:nvPr/>
+      </p:nvGrpSpPr>
+      <p:grpSpPr>
+        <a:xfrm>
+          <a:off x="0" y="0"/>
+          <a:ext cx="0" cy="0"/>
+          <a:chOff x="0" y="0"/>
+          <a:chExt cx="0" cy="0"/>
+        </a:xfrm>
+      </p:grpSpPr>
+      <p:sp>
+        <p:nvSpPr>
           <p:cNvPr id="2" name="Título 1">
             <a:extLst>
               <a:ext uri="{FF2B5EF4-FFF2-40B4-BE49-F238E27FC236}">
@@ -3826,7 +4737,7 @@
 </p:sld>
 </file>
 
-<file path=ppt/slides/slide11.xml><?xml version="1.0" encoding="utf-8"?>
+<file path=ppt/slides/slide13.xml><?xml version="1.0" encoding="utf-8"?>
 <p:sld xmlns:a="http://schemas.openxmlformats.org/drawingml/2006/main" xmlns:r="http://schemas.openxmlformats.org/officeDocument/2006/relationships" xmlns:p="http://schemas.openxmlformats.org/presentationml/2006/main">
   <p:cSld>
     <p:spTree>
@@ -5138,7 +6049,7 @@
                 </a:effectLst>
                 <a:cs typeface="Arial" panose="020B0604020202020204" pitchFamily="34" charset="0"/>
               </a:rPr>
-              <a:t>Desenvolver um jogo de plataforma 2D no estilo de luta onde dois jogadores lutam um contra o outro (</a:t>
+              <a:t>Desenvolver um jogo de plataforma no estilo de luta onde dois jogadores lutam um contra o outro (</a:t>
             </a:r>
             <a:r>
               <a:rPr lang="pt-BR" sz="4000" dirty="0">
@@ -5520,7 +6431,7 @@
           <p:cNvPr id="2" name="Título 1">
             <a:extLst>
               <a:ext uri="{FF2B5EF4-FFF2-40B4-BE49-F238E27FC236}">
-                <a16:creationId xmlns:a16="http://schemas.microsoft.com/office/drawing/2014/main" id="{55F48192-896D-4B81-9168-96A7CA7494E0}"/>
+                <a16:creationId xmlns:a16="http://schemas.microsoft.com/office/drawing/2014/main" id="{532F513B-9E2E-4E4C-A111-8EEF1AEE9672}"/>
               </a:ext>
             </a:extLst>
           </p:cNvPr>
@@ -5533,19 +6444,19 @@
         </p:nvSpPr>
         <p:spPr>
           <a:xfrm>
-            <a:off x="1375228" y="597353"/>
+            <a:off x="1447800" y="365125"/>
             <a:ext cx="10515600" cy="1325563"/>
           </a:xfrm>
         </p:spPr>
         <p:txBody>
           <a:bodyPr>
-            <a:normAutofit fontScale="90000"/>
+            <a:normAutofit/>
           </a:bodyPr>
           <a:lstStyle/>
           <a:p>
             <a:pPr algn="ctr"/>
             <a:r>
-              <a:rPr lang="pt-BR" sz="5300" b="1" dirty="0">
+              <a:rPr lang="pt-BR" sz="4800" b="1" dirty="0">
                 <a:solidFill>
                   <a:srgbClr val="FF0000"/>
                 </a:solidFill>
@@ -5559,55 +6470,8 @@
                 <a:latin typeface="+mn-lt"/>
                 <a:cs typeface="Arial" panose="020B0604020202020204" pitchFamily="34" charset="0"/>
               </a:rPr>
-              <a:t>Referencial</a:t>
-            </a:r>
-            <a:r>
-              <a:rPr lang="pt-BR" sz="4800" b="1" dirty="0">
-                <a:solidFill>
-                  <a:srgbClr val="FF0000"/>
-                </a:solidFill>
-                <a:effectLst>
-                  <a:outerShdw blurRad="38100" dist="38100" dir="2700000" algn="tl">
-                    <a:srgbClr val="000000">
-                      <a:alpha val="43137"/>
-                    </a:srgbClr>
-                  </a:outerShdw>
-                </a:effectLst>
-                <a:latin typeface="+mn-lt"/>
-                <a:cs typeface="Arial" panose="020B0604020202020204" pitchFamily="34" charset="0"/>
-              </a:rPr>
-              <a:t> Teórico</a:t>
-            </a:r>
-            <a:br>
-              <a:rPr lang="pt-BR" b="1" dirty="0">
-                <a:solidFill>
-                  <a:srgbClr val="FF0000"/>
-                </a:solidFill>
-                <a:effectLst>
-                  <a:outerShdw blurRad="38100" dist="38100" dir="2700000" algn="tl">
-                    <a:srgbClr val="000000">
-                      <a:alpha val="43137"/>
-                    </a:srgbClr>
-                  </a:outerShdw>
-                </a:effectLst>
-                <a:latin typeface="Arial" panose="020B0604020202020204" pitchFamily="34" charset="0"/>
-                <a:cs typeface="Arial" panose="020B0604020202020204" pitchFamily="34" charset="0"/>
-              </a:rPr>
-            </a:br>
-            <a:endParaRPr lang="pt-BR" b="1" dirty="0">
-              <a:solidFill>
-                <a:srgbClr val="FF0000"/>
-              </a:solidFill>
-              <a:effectLst>
-                <a:outerShdw blurRad="38100" dist="38100" dir="2700000" algn="tl">
-                  <a:srgbClr val="000000">
-                    <a:alpha val="43137"/>
-                  </a:srgbClr>
-                </a:outerShdw>
-              </a:effectLst>
-              <a:latin typeface="Arial" panose="020B0604020202020204" pitchFamily="34" charset="0"/>
-              <a:cs typeface="Arial" panose="020B0604020202020204" pitchFamily="34" charset="0"/>
-            </a:endParaRPr>
+              <a:t>Ideia do projeto</a:t>
+            </a:r>
           </a:p>
         </p:txBody>
       </p:sp>
@@ -5616,7 +6480,7 @@
           <p:cNvPr id="3" name="Espaço Reservado para Conteúdo 2">
             <a:extLst>
               <a:ext uri="{FF2B5EF4-FFF2-40B4-BE49-F238E27FC236}">
-                <a16:creationId xmlns:a16="http://schemas.microsoft.com/office/drawing/2014/main" id="{81913F52-468B-4068-8EE7-D8908E8CD70A}"/>
+                <a16:creationId xmlns:a16="http://schemas.microsoft.com/office/drawing/2014/main" id="{95A134BB-6AE8-4B05-8BED-35D9C37AEC49}"/>
               </a:ext>
             </a:extLst>
           </p:cNvPr>
@@ -5629,19 +6493,21 @@
         </p:nvSpPr>
         <p:spPr>
           <a:xfrm>
-            <a:off x="1631042" y="1719716"/>
-            <a:ext cx="10003971" cy="4351338"/>
+            <a:off x="1851146" y="1690688"/>
+            <a:ext cx="9708908" cy="4351338"/>
           </a:xfrm>
         </p:spPr>
         <p:txBody>
           <a:bodyPr>
-            <a:noAutofit/>
+            <a:normAutofit/>
           </a:bodyPr>
           <a:lstStyle/>
           <a:p>
-            <a:pPr algn="just"/>
-            <a:r>
-              <a:rPr lang="pt-BR" sz="3600" dirty="0">
+            <a:pPr marL="0" indent="0" algn="just">
+              <a:buNone/>
+            </a:pPr>
+            <a:r>
+              <a:rPr lang="pt-BR" sz="4000" dirty="0">
                 <a:solidFill>
                   <a:schemeClr val="tx1">
                     <a:lumMod val="65000"/>
@@ -5657,32 +6523,28 @@
                 </a:effectLst>
                 <a:cs typeface="Arial" panose="020B0604020202020204" pitchFamily="34" charset="0"/>
               </a:rPr>
-              <a:t>Ciclo de desenvolvimento do game: Processo de criação, pré-produção, produção, lançamento do game e pós produção;</a:t>
-            </a:r>
-          </a:p>
-          <a:p>
-            <a:pPr algn="just"/>
-            <a:endParaRPr lang="pt-BR" sz="3600" dirty="0">
-              <a:solidFill>
-                <a:schemeClr val="tx1">
-                  <a:lumMod val="65000"/>
-                  <a:lumOff val="35000"/>
-                </a:schemeClr>
-              </a:solidFill>
-              <a:effectLst>
-                <a:outerShdw blurRad="38100" dist="38100" dir="2700000" algn="tl">
-                  <a:srgbClr val="000000">
-                    <a:alpha val="43137"/>
-                  </a:srgbClr>
-                </a:outerShdw>
-              </a:effectLst>
-              <a:cs typeface="Arial" panose="020B0604020202020204" pitchFamily="34" charset="0"/>
-            </a:endParaRPr>
-          </a:p>
-          <a:p>
-            <a:pPr algn="just"/>
-            <a:r>
-              <a:rPr lang="pt-BR" sz="3600" dirty="0">
+              <a:t>Criar um ambiente com o propósito de causar a interação entre professores e alunos fora do “</a:t>
+            </a:r>
+            <a:r>
+              <a:rPr lang="pt-BR" sz="4000" dirty="0">
+                <a:solidFill>
+                  <a:schemeClr val="accent5">
+                    <a:lumMod val="75000"/>
+                  </a:schemeClr>
+                </a:solidFill>
+                <a:effectLst>
+                  <a:outerShdw blurRad="38100" dist="38100" dir="2700000" algn="tl">
+                    <a:srgbClr val="000000">
+                      <a:alpha val="43137"/>
+                    </a:srgbClr>
+                  </a:outerShdw>
+                </a:effectLst>
+                <a:cs typeface="Arial" panose="020B0604020202020204" pitchFamily="34" charset="0"/>
+              </a:rPr>
+              <a:t>contexto acadêmico</a:t>
+            </a:r>
+            <a:r>
+              <a:rPr lang="pt-BR" sz="4000" dirty="0">
                 <a:solidFill>
                   <a:schemeClr val="tx1">
                     <a:lumMod val="65000"/>
@@ -5698,17 +6560,17 @@
                 </a:effectLst>
                 <a:cs typeface="Arial" panose="020B0604020202020204" pitchFamily="34" charset="0"/>
               </a:rPr>
-              <a:t>O design do game é o ponto de partida para a elaboração do jogo eletrônico, sendo considerado a planta baixa do jogo, que irá estruturar toda a base de ideias e desenvolvimento do projeto, ou seja, todos irão seguir o planejado. </a:t>
-            </a:r>
-          </a:p>
-        </p:txBody>
-      </p:sp>
-      <p:sp>
-        <p:nvSpPr>
-          <p:cNvPr id="6" name="Retângulo 5">
-            <a:extLst>
-              <a:ext uri="{FF2B5EF4-FFF2-40B4-BE49-F238E27FC236}">
-                <a16:creationId xmlns:a16="http://schemas.microsoft.com/office/drawing/2014/main" id="{FF787646-FA3B-4EFE-B7DF-4C0B438DB604}"/>
+              <a:t>”, ou seja, ampliar o relacionamento social do professor com o aluno.</a:t>
+            </a:r>
+          </a:p>
+        </p:txBody>
+      </p:sp>
+      <p:sp>
+        <p:nvSpPr>
+          <p:cNvPr id="5" name="Retângulo 4">
+            <a:extLst>
+              <a:ext uri="{FF2B5EF4-FFF2-40B4-BE49-F238E27FC236}">
+                <a16:creationId xmlns:a16="http://schemas.microsoft.com/office/drawing/2014/main" id="{4675257E-4743-4683-9BC1-657FC23F4986}"/>
               </a:ext>
             </a:extLst>
           </p:cNvPr>
@@ -5755,7 +6617,7 @@
     </p:spTree>
     <p:extLst>
       <p:ext uri="{BB962C8B-B14F-4D97-AF65-F5344CB8AC3E}">
-        <p14:creationId xmlns:p14="http://schemas.microsoft.com/office/powerpoint/2010/main" val="2885061145"/>
+        <p14:creationId xmlns:p14="http://schemas.microsoft.com/office/powerpoint/2010/main" val="3521123955"/>
       </p:ext>
     </p:extLst>
   </p:cSld>
@@ -5782,218 +6644,12 @@
           <a:chExt cx="0" cy="0"/>
         </a:xfrm>
       </p:grpSpPr>
-      <p:sp>
-        <p:nvSpPr>
-          <p:cNvPr id="2" name="Título 1">
-            <a:extLst>
-              <a:ext uri="{FF2B5EF4-FFF2-40B4-BE49-F238E27FC236}">
-                <a16:creationId xmlns:a16="http://schemas.microsoft.com/office/drawing/2014/main" id="{0325C071-5FDC-40CD-82BB-B2360CB8E12C}"/>
-              </a:ext>
-            </a:extLst>
-          </p:cNvPr>
-          <p:cNvSpPr>
-            <a:spLocks noGrp="1"/>
-          </p:cNvSpPr>
-          <p:nvPr>
-            <p:ph type="title"/>
-          </p:nvPr>
-        </p:nvSpPr>
-        <p:spPr>
-          <a:xfrm>
-            <a:off x="1547585" y="280306"/>
-            <a:ext cx="10515600" cy="1325563"/>
-          </a:xfrm>
-        </p:spPr>
-        <p:txBody>
-          <a:bodyPr>
-            <a:normAutofit/>
-          </a:bodyPr>
-          <a:lstStyle/>
-          <a:p>
-            <a:pPr algn="ctr"/>
-            <a:r>
-              <a:rPr lang="pt-BR" sz="4800" b="1" dirty="0">
-                <a:solidFill>
-                  <a:srgbClr val="FF0000"/>
-                </a:solidFill>
-                <a:effectLst>
-                  <a:outerShdw blurRad="38100" dist="38100" dir="2700000" algn="tl">
-                    <a:srgbClr val="000000">
-                      <a:alpha val="43137"/>
-                    </a:srgbClr>
-                  </a:outerShdw>
-                </a:effectLst>
-                <a:latin typeface="+mn-lt"/>
-                <a:cs typeface="Arial" panose="020B0604020202020204" pitchFamily="34" charset="0"/>
-              </a:rPr>
-              <a:t>Gameplay</a:t>
-            </a:r>
-            <a:endParaRPr lang="pt-BR" sz="4800" b="1" dirty="0">
-              <a:solidFill>
-                <a:srgbClr val="FF0000"/>
-              </a:solidFill>
-              <a:effectLst>
-                <a:outerShdw blurRad="38100" dist="38100" dir="2700000" algn="tl">
-                  <a:srgbClr val="000000">
-                    <a:alpha val="43137"/>
-                  </a:srgbClr>
-                </a:outerShdw>
-              </a:effectLst>
-              <a:latin typeface="+mn-lt"/>
-            </a:endParaRPr>
-          </a:p>
-        </p:txBody>
-      </p:sp>
-      <p:sp>
-        <p:nvSpPr>
-          <p:cNvPr id="3" name="Espaço Reservado para Conteúdo 2">
-            <a:extLst>
-              <a:ext uri="{FF2B5EF4-FFF2-40B4-BE49-F238E27FC236}">
-                <a16:creationId xmlns:a16="http://schemas.microsoft.com/office/drawing/2014/main" id="{AD60E8E5-3792-4D18-AC93-8BC383D7953D}"/>
-              </a:ext>
-            </a:extLst>
-          </p:cNvPr>
-          <p:cNvSpPr>
-            <a:spLocks noGrp="1"/>
-          </p:cNvSpPr>
-          <p:nvPr>
-            <p:ph idx="1"/>
-          </p:nvPr>
-        </p:nvSpPr>
-        <p:spPr>
-          <a:xfrm>
-            <a:off x="2217057" y="1740351"/>
-            <a:ext cx="9176657" cy="4351338"/>
-          </a:xfrm>
-        </p:spPr>
-        <p:txBody>
-          <a:bodyPr>
-            <a:normAutofit/>
-          </a:bodyPr>
-          <a:lstStyle/>
-          <a:p>
-            <a:pPr marL="0" indent="0" algn="just">
-              <a:buNone/>
-            </a:pPr>
-            <a:r>
-              <a:rPr lang="pt-BR" sz="3200" b="1" dirty="0">
-                <a:solidFill>
-                  <a:srgbClr val="FFFF00"/>
-                </a:solidFill>
-                <a:effectLst>
-                  <a:outerShdw blurRad="38100" dist="38100" dir="2700000" algn="tl">
-                    <a:srgbClr val="000000">
-                      <a:alpha val="43137"/>
-                    </a:srgbClr>
-                  </a:outerShdw>
-                </a:effectLst>
-                <a:cs typeface="Arial" panose="020B0604020202020204" pitchFamily="34" charset="0"/>
-              </a:rPr>
-              <a:t>UNA FIGHTERS </a:t>
-            </a:r>
-            <a:r>
-              <a:rPr lang="pt-BR" sz="3200" dirty="0">
-                <a:solidFill>
-                  <a:schemeClr val="tx1">
-                    <a:lumMod val="65000"/>
-                    <a:lumOff val="35000"/>
-                  </a:schemeClr>
-                </a:solidFill>
-                <a:effectLst>
-                  <a:outerShdw blurRad="38100" dist="38100" dir="2700000" algn="tl">
-                    <a:srgbClr val="000000">
-                      <a:alpha val="43137"/>
-                    </a:srgbClr>
-                  </a:outerShdw>
-                </a:effectLst>
-                <a:cs typeface="Arial" panose="020B0604020202020204" pitchFamily="34" charset="0"/>
-              </a:rPr>
-              <a:t>é um jogo arcade do gênero de luta Player versus Player (</a:t>
-            </a:r>
-            <a:r>
-              <a:rPr lang="pt-BR" sz="3200" dirty="0" err="1">
-                <a:solidFill>
-                  <a:schemeClr val="tx1">
-                    <a:lumMod val="65000"/>
-                    <a:lumOff val="35000"/>
-                  </a:schemeClr>
-                </a:solidFill>
-                <a:effectLst>
-                  <a:outerShdw blurRad="38100" dist="38100" dir="2700000" algn="tl">
-                    <a:srgbClr val="000000">
-                      <a:alpha val="43137"/>
-                    </a:srgbClr>
-                  </a:outerShdw>
-                </a:effectLst>
-                <a:cs typeface="Arial" panose="020B0604020202020204" pitchFamily="34" charset="0"/>
-              </a:rPr>
-              <a:t>PvP</a:t>
-            </a:r>
-            <a:r>
-              <a:rPr lang="pt-BR" sz="3200" dirty="0">
-                <a:solidFill>
-                  <a:schemeClr val="tx1">
-                    <a:lumMod val="65000"/>
-                    <a:lumOff val="35000"/>
-                  </a:schemeClr>
-                </a:solidFill>
-                <a:effectLst>
-                  <a:outerShdw blurRad="38100" dist="38100" dir="2700000" algn="tl">
-                    <a:srgbClr val="000000">
-                      <a:alpha val="43137"/>
-                    </a:srgbClr>
-                  </a:outerShdw>
-                </a:effectLst>
-                <a:cs typeface="Arial" panose="020B0604020202020204" pitchFamily="34" charset="0"/>
-              </a:rPr>
-              <a:t>),</a:t>
-            </a:r>
-            <a:r>
-              <a:rPr lang="pt-BR" sz="3200" dirty="0">
-                <a:solidFill>
-                  <a:schemeClr val="tx1">
-                    <a:lumMod val="65000"/>
-                    <a:lumOff val="35000"/>
-                  </a:schemeClr>
-                </a:solidFill>
-                <a:effectLst>
-                  <a:outerShdw blurRad="38100" dist="38100" dir="2700000" algn="tl">
-                    <a:srgbClr val="000000">
-                      <a:alpha val="43137"/>
-                    </a:srgbClr>
-                  </a:outerShdw>
-                </a:effectLst>
-              </a:rPr>
-              <a:t> </a:t>
-            </a:r>
-            <a:r>
-              <a:rPr lang="pt-BR" sz="3200" dirty="0">
-                <a:solidFill>
-                  <a:schemeClr val="tx1">
-                    <a:lumMod val="65000"/>
-                    <a:lumOff val="35000"/>
-                  </a:schemeClr>
-                </a:solidFill>
-                <a:effectLst>
-                  <a:outerShdw blurRad="38100" dist="38100" dir="2700000" algn="tl">
-                    <a:srgbClr val="000000">
-                      <a:alpha val="43137"/>
-                    </a:srgbClr>
-                  </a:outerShdw>
-                </a:effectLst>
-                <a:cs typeface="Arial" panose="020B0604020202020204" pitchFamily="34" charset="0"/>
-              </a:rPr>
-              <a:t>com o intuito de proporcionar um único desafio de derrotar o oponente até sua barra de energia se esgotar, assim declarando um vencedor e um perdedor, para alcançar o objetivo do jogo o jogador deve utilizar de habilidades e estratégias para conseguir derrotar o seu oponente.</a:t>
-            </a:r>
-          </a:p>
-        </p:txBody>
-      </p:sp>
       <p:pic>
         <p:nvPicPr>
-          <p:cNvPr id="4" name="Imagem 3">
-            <a:extLst>
-              <a:ext uri="{FF2B5EF4-FFF2-40B4-BE49-F238E27FC236}">
-                <a16:creationId xmlns:a16="http://schemas.microsoft.com/office/drawing/2014/main" id="{75C8AABD-0837-4EAB-80BD-A9BB7DCFF920}"/>
+          <p:cNvPr id="6" name="Imagem 5">
+            <a:extLst>
+              <a:ext uri="{FF2B5EF4-FFF2-40B4-BE49-F238E27FC236}">
+                <a16:creationId xmlns:a16="http://schemas.microsoft.com/office/drawing/2014/main" id="{0F79C3EB-7F11-4DC5-B9B3-3DB1789D8A4B}"/>
               </a:ext>
             </a:extLst>
           </p:cNvPr>
@@ -6002,7 +6658,7 @@
           </p:cNvPicPr>
           <p:nvPr/>
         </p:nvPicPr>
-        <p:blipFill rotWithShape="1">
+        <p:blipFill>
           <a:blip r:embed="rId2">
             <a:extLst>
               <a:ext uri="{28A0092B-C50C-407E-A947-70E740481C1C}">
@@ -6010,13 +6666,14 @@
               </a:ext>
             </a:extLst>
           </a:blip>
-          <a:srcRect t="71509" b="8500"/>
-          <a:stretch/>
+          <a:stretch>
+            <a:fillRect/>
+          </a:stretch>
         </p:blipFill>
         <p:spPr>
           <a:xfrm>
-            <a:off x="2217057" y="5472790"/>
-            <a:ext cx="9176657" cy="1005570"/>
+            <a:off x="-1556771" y="1995201"/>
+            <a:ext cx="7441702" cy="7441702"/>
           </a:xfrm>
           <a:prstGeom prst="rect">
             <a:avLst/>
@@ -6025,10 +6682,217 @@
       </p:pic>
       <p:sp>
         <p:nvSpPr>
+          <p:cNvPr id="2" name="Título 1">
+            <a:extLst>
+              <a:ext uri="{FF2B5EF4-FFF2-40B4-BE49-F238E27FC236}">
+                <a16:creationId xmlns:a16="http://schemas.microsoft.com/office/drawing/2014/main" id="{532F513B-9E2E-4E4C-A111-8EEF1AEE9672}"/>
+              </a:ext>
+            </a:extLst>
+          </p:cNvPr>
+          <p:cNvSpPr>
+            <a:spLocks noGrp="1"/>
+          </p:cNvSpPr>
+          <p:nvPr>
+            <p:ph type="title"/>
+          </p:nvPr>
+        </p:nvSpPr>
+        <p:spPr>
+          <a:xfrm>
+            <a:off x="1447800" y="365125"/>
+            <a:ext cx="10515600" cy="1325563"/>
+          </a:xfrm>
+        </p:spPr>
+        <p:txBody>
+          <a:bodyPr>
+            <a:normAutofit/>
+          </a:bodyPr>
+          <a:lstStyle/>
+          <a:p>
+            <a:pPr algn="ctr"/>
+            <a:r>
+              <a:rPr lang="pt-BR" sz="4800" b="1" dirty="0">
+                <a:solidFill>
+                  <a:srgbClr val="FF0000"/>
+                </a:solidFill>
+                <a:effectLst>
+                  <a:outerShdw blurRad="38100" dist="38100" dir="2700000" algn="tl">
+                    <a:srgbClr val="000000">
+                      <a:alpha val="43137"/>
+                    </a:srgbClr>
+                  </a:outerShdw>
+                </a:effectLst>
+                <a:latin typeface="+mn-lt"/>
+                <a:cs typeface="Arial" panose="020B0604020202020204" pitchFamily="34" charset="0"/>
+              </a:rPr>
+              <a:t>Como fizemos?</a:t>
+            </a:r>
+          </a:p>
+        </p:txBody>
+      </p:sp>
+      <p:sp>
+        <p:nvSpPr>
+          <p:cNvPr id="3" name="Espaço Reservado para Conteúdo 2">
+            <a:extLst>
+              <a:ext uri="{FF2B5EF4-FFF2-40B4-BE49-F238E27FC236}">
+                <a16:creationId xmlns:a16="http://schemas.microsoft.com/office/drawing/2014/main" id="{95A134BB-6AE8-4B05-8BED-35D9C37AEC49}"/>
+              </a:ext>
+            </a:extLst>
+          </p:cNvPr>
+          <p:cNvSpPr>
+            <a:spLocks noGrp="1"/>
+          </p:cNvSpPr>
+          <p:nvPr>
+            <p:ph idx="1"/>
+          </p:nvPr>
+        </p:nvSpPr>
+        <p:spPr>
+          <a:xfrm>
+            <a:off x="2420989" y="1838898"/>
+            <a:ext cx="9002384" cy="4351338"/>
+          </a:xfrm>
+        </p:spPr>
+        <p:txBody>
+          <a:bodyPr>
+            <a:normAutofit/>
+          </a:bodyPr>
+          <a:lstStyle/>
+          <a:p>
+            <a:pPr marL="0" indent="0" algn="just">
+              <a:buNone/>
+            </a:pPr>
+            <a:r>
+              <a:rPr lang="pt-BR" sz="5400" dirty="0">
+                <a:solidFill>
+                  <a:schemeClr val="tx1">
+                    <a:lumMod val="65000"/>
+                    <a:lumOff val="35000"/>
+                  </a:schemeClr>
+                </a:solidFill>
+                <a:effectLst>
+                  <a:outerShdw blurRad="38100" dist="38100" dir="2700000" algn="tl">
+                    <a:srgbClr val="000000">
+                      <a:alpha val="43137"/>
+                    </a:srgbClr>
+                  </a:outerShdw>
+                </a:effectLst>
+                <a:cs typeface="Arial" panose="020B0604020202020204" pitchFamily="34" charset="0"/>
+              </a:rPr>
+              <a:t>Criamos um </a:t>
+            </a:r>
+            <a:r>
+              <a:rPr lang="pt-BR" sz="5400" dirty="0">
+                <a:solidFill>
+                  <a:srgbClr val="FFFF00"/>
+                </a:solidFill>
+                <a:effectLst>
+                  <a:outerShdw blurRad="38100" dist="38100" dir="2700000" algn="tl">
+                    <a:srgbClr val="000000">
+                      <a:alpha val="43137"/>
+                    </a:srgbClr>
+                  </a:outerShdw>
+                </a:effectLst>
+                <a:cs typeface="Arial" panose="020B0604020202020204" pitchFamily="34" charset="0"/>
+              </a:rPr>
+              <a:t>JOGO LUTA</a:t>
+            </a:r>
+            <a:r>
+              <a:rPr lang="pt-BR" sz="5400" dirty="0">
+                <a:solidFill>
+                  <a:schemeClr val="tx1">
+                    <a:lumMod val="65000"/>
+                    <a:lumOff val="35000"/>
+                  </a:schemeClr>
+                </a:solidFill>
+                <a:effectLst>
+                  <a:outerShdw blurRad="38100" dist="38100" dir="2700000" algn="tl">
+                    <a:srgbClr val="000000">
+                      <a:alpha val="43137"/>
+                    </a:srgbClr>
+                  </a:outerShdw>
+                </a:effectLst>
+                <a:cs typeface="Arial" panose="020B0604020202020204" pitchFamily="34" charset="0"/>
+              </a:rPr>
+              <a:t>, com </a:t>
+            </a:r>
+            <a:r>
+              <a:rPr lang="pt-BR" sz="5400" dirty="0">
+                <a:solidFill>
+                  <a:srgbClr val="7030A0"/>
+                </a:solidFill>
+                <a:effectLst>
+                  <a:outerShdw blurRad="38100" dist="38100" dir="2700000" algn="tl">
+                    <a:srgbClr val="000000">
+                      <a:alpha val="43137"/>
+                    </a:srgbClr>
+                  </a:outerShdw>
+                </a:effectLst>
+                <a:cs typeface="Arial" panose="020B0604020202020204" pitchFamily="34" charset="0"/>
+              </a:rPr>
+              <a:t>PROFESSORES</a:t>
+            </a:r>
+            <a:r>
+              <a:rPr lang="pt-BR" sz="5400" dirty="0">
+                <a:solidFill>
+                  <a:schemeClr val="tx1">
+                    <a:lumMod val="65000"/>
+                    <a:lumOff val="35000"/>
+                  </a:schemeClr>
+                </a:solidFill>
+                <a:effectLst>
+                  <a:outerShdw blurRad="38100" dist="38100" dir="2700000" algn="tl">
+                    <a:srgbClr val="000000">
+                      <a:alpha val="43137"/>
+                    </a:srgbClr>
+                  </a:outerShdw>
+                </a:effectLst>
+                <a:cs typeface="Arial" panose="020B0604020202020204" pitchFamily="34" charset="0"/>
+              </a:rPr>
+              <a:t> contra </a:t>
+            </a:r>
+            <a:r>
+              <a:rPr lang="pt-BR" sz="5400" dirty="0">
+                <a:solidFill>
+                  <a:srgbClr val="FF0000"/>
+                </a:solidFill>
+                <a:effectLst>
+                  <a:outerShdw blurRad="38100" dist="38100" dir="2700000" algn="tl">
+                    <a:srgbClr val="000000">
+                      <a:alpha val="43137"/>
+                    </a:srgbClr>
+                  </a:outerShdw>
+                </a:effectLst>
+                <a:cs typeface="Arial" panose="020B0604020202020204" pitchFamily="34" charset="0"/>
+              </a:rPr>
+              <a:t>ALUNOS</a:t>
+            </a:r>
+            <a:r>
+              <a:rPr lang="pt-BR" sz="5400" dirty="0">
+                <a:solidFill>
+                  <a:schemeClr val="tx1">
+                    <a:lumMod val="65000"/>
+                    <a:lumOff val="35000"/>
+                  </a:schemeClr>
+                </a:solidFill>
+                <a:effectLst>
+                  <a:outerShdw blurRad="38100" dist="38100" dir="2700000" algn="tl">
+                    <a:srgbClr val="000000">
+                      <a:alpha val="43137"/>
+                    </a:srgbClr>
+                  </a:outerShdw>
+                </a:effectLst>
+                <a:cs typeface="Arial" panose="020B0604020202020204" pitchFamily="34" charset="0"/>
+              </a:rPr>
+              <a:t>!</a:t>
+            </a:r>
+          </a:p>
+        </p:txBody>
+      </p:sp>
+      <p:sp>
+        <p:nvSpPr>
           <p:cNvPr id="5" name="Retângulo 4">
             <a:extLst>
               <a:ext uri="{FF2B5EF4-FFF2-40B4-BE49-F238E27FC236}">
-                <a16:creationId xmlns:a16="http://schemas.microsoft.com/office/drawing/2014/main" id="{B32C4475-858E-43E6-BF38-84FBA33197E7}"/>
+                <a16:creationId xmlns:a16="http://schemas.microsoft.com/office/drawing/2014/main" id="{4675257E-4743-4683-9BC1-657FC23F4986}"/>
               </a:ext>
             </a:extLst>
           </p:cNvPr>
@@ -6072,10 +6936,82 @@
           </a:p>
         </p:txBody>
       </p:sp>
+      <p:pic>
+        <p:nvPicPr>
+          <p:cNvPr id="8" name="Imagem 7">
+            <a:extLst>
+              <a:ext uri="{FF2B5EF4-FFF2-40B4-BE49-F238E27FC236}">
+                <a16:creationId xmlns:a16="http://schemas.microsoft.com/office/drawing/2014/main" id="{F7FD7535-91AB-4FBE-9F4C-9AF23596C0F7}"/>
+              </a:ext>
+            </a:extLst>
+          </p:cNvPr>
+          <p:cNvPicPr>
+            <a:picLocks noChangeAspect="1"/>
+          </p:cNvPicPr>
+          <p:nvPr/>
+        </p:nvPicPr>
+        <p:blipFill>
+          <a:blip r:embed="rId3">
+            <a:extLst>
+              <a:ext uri="{28A0092B-C50C-407E-A947-70E740481C1C}">
+                <a14:useLocalDpi xmlns:a14="http://schemas.microsoft.com/office/drawing/2010/main" val="0"/>
+              </a:ext>
+            </a:extLst>
+          </a:blip>
+          <a:stretch>
+            <a:fillRect/>
+          </a:stretch>
+        </p:blipFill>
+        <p:spPr>
+          <a:xfrm flipH="1">
+            <a:off x="7530487" y="1732880"/>
+            <a:ext cx="8059134" cy="8101260"/>
+          </a:xfrm>
+          <a:prstGeom prst="rect">
+            <a:avLst/>
+          </a:prstGeom>
+        </p:spPr>
+      </p:pic>
+      <p:pic>
+        <p:nvPicPr>
+          <p:cNvPr id="10" name="Imagem 9">
+            <a:extLst>
+              <a:ext uri="{FF2B5EF4-FFF2-40B4-BE49-F238E27FC236}">
+                <a16:creationId xmlns:a16="http://schemas.microsoft.com/office/drawing/2014/main" id="{2976B643-EE93-414F-8999-C238ABAA57CF}"/>
+              </a:ext>
+            </a:extLst>
+          </p:cNvPr>
+          <p:cNvPicPr>
+            <a:picLocks noChangeAspect="1"/>
+          </p:cNvPicPr>
+          <p:nvPr/>
+        </p:nvPicPr>
+        <p:blipFill>
+          <a:blip r:embed="rId4">
+            <a:extLst>
+              <a:ext uri="{28A0092B-C50C-407E-A947-70E740481C1C}">
+                <a14:useLocalDpi xmlns:a14="http://schemas.microsoft.com/office/drawing/2010/main" val="0"/>
+              </a:ext>
+            </a:extLst>
+          </a:blip>
+          <a:stretch>
+            <a:fillRect/>
+          </a:stretch>
+        </p:blipFill>
+        <p:spPr>
+          <a:xfrm>
+            <a:off x="5470237" y="4255939"/>
+            <a:ext cx="2613344" cy="2236936"/>
+          </a:xfrm>
+          <a:prstGeom prst="rect">
+            <a:avLst/>
+          </a:prstGeom>
+        </p:spPr>
+      </p:pic>
     </p:spTree>
     <p:extLst>
       <p:ext uri="{BB962C8B-B14F-4D97-AF65-F5344CB8AC3E}">
-        <p14:creationId xmlns:p14="http://schemas.microsoft.com/office/powerpoint/2010/main" val="940220039"/>
+        <p14:creationId xmlns:p14="http://schemas.microsoft.com/office/powerpoint/2010/main" val="1101457148"/>
       </p:ext>
     </p:extLst>
   </p:cSld>
@@ -6107,7 +7043,7 @@
           <p:cNvPr id="2" name="Título 1">
             <a:extLst>
               <a:ext uri="{FF2B5EF4-FFF2-40B4-BE49-F238E27FC236}">
-                <a16:creationId xmlns:a16="http://schemas.microsoft.com/office/drawing/2014/main" id="{BCA1A2D1-E6E0-4141-A599-8D359BD3D51D}"/>
+                <a16:creationId xmlns:a16="http://schemas.microsoft.com/office/drawing/2014/main" id="{55F48192-896D-4B81-9168-96A7CA7494E0}"/>
               </a:ext>
             </a:extLst>
           </p:cNvPr>
@@ -6120,19 +7056,19 @@
         </p:nvSpPr>
         <p:spPr>
           <a:xfrm>
-            <a:off x="1447800" y="378427"/>
-            <a:ext cx="10515600" cy="1194759"/>
+            <a:off x="1375228" y="597353"/>
+            <a:ext cx="10515600" cy="1325563"/>
           </a:xfrm>
         </p:spPr>
         <p:txBody>
           <a:bodyPr>
-            <a:normAutofit/>
+            <a:normAutofit fontScale="90000"/>
           </a:bodyPr>
           <a:lstStyle/>
           <a:p>
             <a:pPr algn="ctr"/>
             <a:r>
-              <a:rPr lang="pt-BR" sz="4800" b="1" dirty="0">
+              <a:rPr lang="pt-BR" sz="5300" b="1" dirty="0">
                 <a:solidFill>
                   <a:srgbClr val="FF0000"/>
                 </a:solidFill>
@@ -6146,9 +7082,42 @@
                 <a:latin typeface="+mn-lt"/>
                 <a:cs typeface="Arial" panose="020B0604020202020204" pitchFamily="34" charset="0"/>
               </a:rPr>
-              <a:t>Controles</a:t>
-            </a:r>
-            <a:endParaRPr lang="pt-BR" sz="4800" b="1" dirty="0">
+              <a:t>Referencial</a:t>
+            </a:r>
+            <a:r>
+              <a:rPr lang="pt-BR" sz="4800" b="1" dirty="0">
+                <a:solidFill>
+                  <a:srgbClr val="FF0000"/>
+                </a:solidFill>
+                <a:effectLst>
+                  <a:outerShdw blurRad="38100" dist="38100" dir="2700000" algn="tl">
+                    <a:srgbClr val="000000">
+                      <a:alpha val="43137"/>
+                    </a:srgbClr>
+                  </a:outerShdw>
+                </a:effectLst>
+                <a:latin typeface="+mn-lt"/>
+                <a:cs typeface="Arial" panose="020B0604020202020204" pitchFamily="34" charset="0"/>
+              </a:rPr>
+              <a:t> Teórico</a:t>
+            </a:r>
+            <a:br>
+              <a:rPr lang="pt-BR" b="1" dirty="0">
+                <a:solidFill>
+                  <a:srgbClr val="FF0000"/>
+                </a:solidFill>
+                <a:effectLst>
+                  <a:outerShdw blurRad="38100" dist="38100" dir="2700000" algn="tl">
+                    <a:srgbClr val="000000">
+                      <a:alpha val="43137"/>
+                    </a:srgbClr>
+                  </a:outerShdw>
+                </a:effectLst>
+                <a:latin typeface="Arial" panose="020B0604020202020204" pitchFamily="34" charset="0"/>
+                <a:cs typeface="Arial" panose="020B0604020202020204" pitchFamily="34" charset="0"/>
+              </a:rPr>
+            </a:br>
+            <a:endParaRPr lang="pt-BR" b="1" dirty="0">
               <a:solidFill>
                 <a:srgbClr val="FF0000"/>
               </a:solidFill>
@@ -6159,7 +7128,8 @@
                   </a:srgbClr>
                 </a:outerShdw>
               </a:effectLst>
-              <a:latin typeface="+mn-lt"/>
+              <a:latin typeface="Arial" panose="020B0604020202020204" pitchFamily="34" charset="0"/>
+              <a:cs typeface="Arial" panose="020B0604020202020204" pitchFamily="34" charset="0"/>
             </a:endParaRPr>
           </a:p>
         </p:txBody>
@@ -6169,7 +7139,7 @@
           <p:cNvPr id="3" name="Espaço Reservado para Conteúdo 2">
             <a:extLst>
               <a:ext uri="{FF2B5EF4-FFF2-40B4-BE49-F238E27FC236}">
-                <a16:creationId xmlns:a16="http://schemas.microsoft.com/office/drawing/2014/main" id="{875BF6AF-3194-492A-BD23-0517496D7F02}"/>
+                <a16:creationId xmlns:a16="http://schemas.microsoft.com/office/drawing/2014/main" id="{81913F52-468B-4068-8EE7-D8908E8CD70A}"/>
               </a:ext>
             </a:extLst>
           </p:cNvPr>
@@ -6182,21 +7152,19 @@
         </p:nvSpPr>
         <p:spPr>
           <a:xfrm>
-            <a:off x="1922236" y="1588913"/>
-            <a:ext cx="9566728" cy="4351338"/>
+            <a:off x="1631042" y="1719716"/>
+            <a:ext cx="10003971" cy="4351338"/>
           </a:xfrm>
         </p:spPr>
         <p:txBody>
           <a:bodyPr>
-            <a:normAutofit/>
+            <a:noAutofit/>
           </a:bodyPr>
           <a:lstStyle/>
           <a:p>
-            <a:pPr marL="0" indent="0" algn="just">
-              <a:buNone/>
-            </a:pPr>
-            <a:r>
-              <a:rPr lang="pt-BR" sz="4000" dirty="0">
+            <a:pPr algn="just"/>
+            <a:r>
+              <a:rPr lang="pt-BR" sz="3600" dirty="0">
                 <a:solidFill>
                   <a:schemeClr val="tx1">
                     <a:lumMod val="65000"/>
@@ -6212,10 +7180,32 @@
                 </a:effectLst>
                 <a:cs typeface="Arial" panose="020B0604020202020204" pitchFamily="34" charset="0"/>
               </a:rPr>
-              <a:t>O jogador utiliza o joystick para realizar a movimentação e os comandos de ação sobre o personagem jogável, como mostrado na imagem a seguir</a:t>
-            </a:r>
-            <a:r>
-              <a:rPr lang="pt-BR" sz="4000" dirty="0">
+              <a:t>Ciclo de desenvolvimento do game: Processo de criação, pré-produção, produção, lançamento do game e pós produção;</a:t>
+            </a:r>
+          </a:p>
+          <a:p>
+            <a:pPr algn="just"/>
+            <a:endParaRPr lang="pt-BR" sz="3600" dirty="0">
+              <a:solidFill>
+                <a:schemeClr val="tx1">
+                  <a:lumMod val="65000"/>
+                  <a:lumOff val="35000"/>
+                </a:schemeClr>
+              </a:solidFill>
+              <a:effectLst>
+                <a:outerShdw blurRad="38100" dist="38100" dir="2700000" algn="tl">
+                  <a:srgbClr val="000000">
+                    <a:alpha val="43137"/>
+                  </a:srgbClr>
+                </a:outerShdw>
+              </a:effectLst>
+              <a:cs typeface="Arial" panose="020B0604020202020204" pitchFamily="34" charset="0"/>
+            </a:endParaRPr>
+          </a:p>
+          <a:p>
+            <a:pPr algn="just"/>
+            <a:r>
+              <a:rPr lang="pt-BR" sz="3600" dirty="0">
                 <a:solidFill>
                   <a:schemeClr val="tx1">
                     <a:lumMod val="65000"/>
@@ -6229,65 +7219,19 @@
                     </a:srgbClr>
                   </a:outerShdw>
                 </a:effectLst>
-                <a:latin typeface="Arial" panose="020B0604020202020204" pitchFamily="34" charset="0"/>
                 <a:cs typeface="Arial" panose="020B0604020202020204" pitchFamily="34" charset="0"/>
               </a:rPr>
-              <a:t>:</a:t>
-            </a:r>
-          </a:p>
-          <a:p>
-            <a:pPr marL="0" indent="0">
-              <a:buNone/>
-            </a:pPr>
-            <a:endParaRPr lang="pt-BR" sz="3200" dirty="0">
-              <a:latin typeface="Arial" panose="020B0604020202020204" pitchFamily="34" charset="0"/>
-              <a:cs typeface="Arial" panose="020B0604020202020204" pitchFamily="34" charset="0"/>
-            </a:endParaRPr>
-          </a:p>
-        </p:txBody>
-      </p:sp>
-      <p:pic>
-        <p:nvPicPr>
-          <p:cNvPr id="5" name="Imagem 4">
-            <a:extLst>
-              <a:ext uri="{FF2B5EF4-FFF2-40B4-BE49-F238E27FC236}">
-                <a16:creationId xmlns:a16="http://schemas.microsoft.com/office/drawing/2014/main" id="{1D5779FA-D889-4F34-9181-9768E82E05A9}"/>
-              </a:ext>
-            </a:extLst>
-          </p:cNvPr>
-          <p:cNvPicPr>
-            <a:picLocks noChangeAspect="1"/>
-          </p:cNvPicPr>
-          <p:nvPr/>
-        </p:nvPicPr>
-        <p:blipFill>
-          <a:blip r:embed="rId2">
-            <a:extLst>
-              <a:ext uri="{28A0092B-C50C-407E-A947-70E740481C1C}">
-                <a14:useLocalDpi xmlns:a14="http://schemas.microsoft.com/office/drawing/2010/main" val="0"/>
-              </a:ext>
-            </a:extLst>
-          </a:blip>
-          <a:stretch>
-            <a:fillRect/>
-          </a:stretch>
-        </p:blipFill>
-        <p:spPr>
-          <a:xfrm>
-            <a:off x="3921654" y="3764582"/>
-            <a:ext cx="5277606" cy="2482222"/>
-          </a:xfrm>
-          <a:prstGeom prst="rect">
-            <a:avLst/>
-          </a:prstGeom>
-        </p:spPr>
-      </p:pic>
+              <a:t>O design do game é o ponto de partida para a elaboração do jogo eletrônico, sendo considerado a planta baixa do jogo, que irá estruturar toda a base de ideias e desenvolvimento do projeto, ou seja, todos irão seguir o planejado. </a:t>
+            </a:r>
+          </a:p>
+        </p:txBody>
+      </p:sp>
       <p:sp>
         <p:nvSpPr>
           <p:cNvPr id="6" name="Retângulo 5">
             <a:extLst>
               <a:ext uri="{FF2B5EF4-FFF2-40B4-BE49-F238E27FC236}">
-                <a16:creationId xmlns:a16="http://schemas.microsoft.com/office/drawing/2014/main" id="{1CABD5AE-8CA2-48C0-9E0D-94CF23C66024}"/>
+                <a16:creationId xmlns:a16="http://schemas.microsoft.com/office/drawing/2014/main" id="{FF787646-FA3B-4EFE-B7DF-4C0B438DB604}"/>
               </a:ext>
             </a:extLst>
           </p:cNvPr>
@@ -6334,7 +7278,7 @@
     </p:spTree>
     <p:extLst>
       <p:ext uri="{BB962C8B-B14F-4D97-AF65-F5344CB8AC3E}">
-        <p14:creationId xmlns:p14="http://schemas.microsoft.com/office/powerpoint/2010/main" val="2427223184"/>
+        <p14:creationId xmlns:p14="http://schemas.microsoft.com/office/powerpoint/2010/main" val="2885061145"/>
       </p:ext>
     </p:extLst>
   </p:cSld>
@@ -6363,10 +7307,72 @@
       </p:grpSpPr>
       <p:sp>
         <p:nvSpPr>
+          <p:cNvPr id="2" name="Título 1">
+            <a:extLst>
+              <a:ext uri="{FF2B5EF4-FFF2-40B4-BE49-F238E27FC236}">
+                <a16:creationId xmlns:a16="http://schemas.microsoft.com/office/drawing/2014/main" id="{0325C071-5FDC-40CD-82BB-B2360CB8E12C}"/>
+              </a:ext>
+            </a:extLst>
+          </p:cNvPr>
+          <p:cNvSpPr>
+            <a:spLocks noGrp="1"/>
+          </p:cNvSpPr>
+          <p:nvPr>
+            <p:ph type="title"/>
+          </p:nvPr>
+        </p:nvSpPr>
+        <p:spPr>
+          <a:xfrm>
+            <a:off x="1547585" y="280306"/>
+            <a:ext cx="10515600" cy="1325563"/>
+          </a:xfrm>
+        </p:spPr>
+        <p:txBody>
+          <a:bodyPr>
+            <a:normAutofit/>
+          </a:bodyPr>
+          <a:lstStyle/>
+          <a:p>
+            <a:pPr algn="ctr"/>
+            <a:r>
+              <a:rPr lang="pt-BR" sz="4800" b="1" dirty="0">
+                <a:solidFill>
+                  <a:srgbClr val="FF0000"/>
+                </a:solidFill>
+                <a:effectLst>
+                  <a:outerShdw blurRad="38100" dist="38100" dir="2700000" algn="tl">
+                    <a:srgbClr val="000000">
+                      <a:alpha val="43137"/>
+                    </a:srgbClr>
+                  </a:outerShdw>
+                </a:effectLst>
+                <a:latin typeface="+mn-lt"/>
+                <a:cs typeface="Arial" panose="020B0604020202020204" pitchFamily="34" charset="0"/>
+              </a:rPr>
+              <a:t>Gameplay</a:t>
+            </a:r>
+            <a:endParaRPr lang="pt-BR" sz="4800" b="1" dirty="0">
+              <a:solidFill>
+                <a:srgbClr val="FF0000"/>
+              </a:solidFill>
+              <a:effectLst>
+                <a:outerShdw blurRad="38100" dist="38100" dir="2700000" algn="tl">
+                  <a:srgbClr val="000000">
+                    <a:alpha val="43137"/>
+                  </a:srgbClr>
+                </a:outerShdw>
+              </a:effectLst>
+              <a:latin typeface="+mn-lt"/>
+            </a:endParaRPr>
+          </a:p>
+        </p:txBody>
+      </p:sp>
+      <p:sp>
+        <p:nvSpPr>
           <p:cNvPr id="3" name="Espaço Reservado para Conteúdo 2">
             <a:extLst>
               <a:ext uri="{FF2B5EF4-FFF2-40B4-BE49-F238E27FC236}">
-                <a16:creationId xmlns:a16="http://schemas.microsoft.com/office/drawing/2014/main" id="{C2FD92B9-093C-4C96-9B55-54BDBF6FBC83}"/>
+                <a16:creationId xmlns:a16="http://schemas.microsoft.com/office/drawing/2014/main" id="{AD60E8E5-3792-4D18-AC93-8BC383D7953D}"/>
               </a:ext>
             </a:extLst>
           </p:cNvPr>
@@ -6379,8 +7385,8 @@
         </p:nvSpPr>
         <p:spPr>
           <a:xfrm>
-            <a:off x="744095" y="164760"/>
-            <a:ext cx="6027057" cy="4351338"/>
+            <a:off x="2217057" y="1740351"/>
+            <a:ext cx="9176657" cy="4351338"/>
           </a:xfrm>
         </p:spPr>
         <p:txBody>
@@ -6389,11 +7395,27 @@
           </a:bodyPr>
           <a:lstStyle/>
           <a:p>
-            <a:pPr marL="0" indent="0">
+            <a:pPr marL="0" indent="0" algn="just">
               <a:buNone/>
             </a:pPr>
             <a:r>
-              <a:rPr lang="pt-BR" sz="3600" dirty="0">
+              <a:rPr lang="pt-BR" sz="3200" b="1" dirty="0">
+                <a:solidFill>
+                  <a:srgbClr val="FFFF00"/>
+                </a:solidFill>
+                <a:effectLst>
+                  <a:outerShdw blurRad="38100" dist="38100" dir="2700000" algn="tl">
+                    <a:srgbClr val="000000">
+                      <a:alpha val="43137"/>
+                    </a:srgbClr>
+                  </a:outerShdw>
+                </a:effectLst>
+                <a:cs typeface="Arial" panose="020B0604020202020204" pitchFamily="34" charset="0"/>
+              </a:rPr>
+              <a:t>UNA FIGHTERS </a:t>
+            </a:r>
+            <a:r>
+              <a:rPr lang="pt-BR" sz="3200" dirty="0">
                 <a:solidFill>
                   <a:schemeClr val="tx1">
                     <a:lumMod val="65000"/>
@@ -6409,208 +7431,10 @@
                 </a:effectLst>
                 <a:cs typeface="Arial" panose="020B0604020202020204" pitchFamily="34" charset="0"/>
               </a:rPr>
-              <a:t>Tela inicial do game</a:t>
-            </a:r>
-          </a:p>
-        </p:txBody>
-      </p:sp>
-      <p:sp>
-        <p:nvSpPr>
-          <p:cNvPr id="6" name="Espaço Reservado para Conteúdo 2">
-            <a:extLst>
-              <a:ext uri="{FF2B5EF4-FFF2-40B4-BE49-F238E27FC236}">
-                <a16:creationId xmlns:a16="http://schemas.microsoft.com/office/drawing/2014/main" id="{05AEBAF6-EE54-400B-A4A9-61DFFE5EFE64}"/>
-              </a:ext>
-            </a:extLst>
-          </p:cNvPr>
-          <p:cNvSpPr txBox="1">
-            <a:spLocks/>
-          </p:cNvSpPr>
-          <p:nvPr/>
-        </p:nvSpPr>
-        <p:spPr>
-          <a:xfrm>
-            <a:off x="7274582" y="803689"/>
-            <a:ext cx="3061403" cy="4351338"/>
-          </a:xfrm>
-          <a:prstGeom prst="rect">
-            <a:avLst/>
-          </a:prstGeom>
-        </p:spPr>
-        <p:txBody>
-          <a:bodyPr vert="horz" lIns="91440" tIns="45720" rIns="91440" bIns="45720" rtlCol="0">
-            <a:normAutofit/>
-          </a:bodyPr>
-          <a:lstStyle>
-            <a:lvl1pPr marL="228600" indent="-228600" algn="l" defTabSz="914400" rtl="0" eaLnBrk="1" latinLnBrk="0" hangingPunct="1">
-              <a:lnSpc>
-                <a:spcPct val="90000"/>
-              </a:lnSpc>
-              <a:spcBef>
-                <a:spcPts val="1000"/>
-              </a:spcBef>
-              <a:buFont typeface="Arial" panose="020B0604020202020204" pitchFamily="34" charset="0"/>
-              <a:buChar char="•"/>
-              <a:defRPr sz="2800" kern="1200">
-                <a:solidFill>
-                  <a:schemeClr val="tx1"/>
-                </a:solidFill>
-                <a:latin typeface="+mn-lt"/>
-                <a:ea typeface="+mn-ea"/>
-                <a:cs typeface="+mn-cs"/>
-              </a:defRPr>
-            </a:lvl1pPr>
-            <a:lvl2pPr marL="685800" indent="-228600" algn="l" defTabSz="914400" rtl="0" eaLnBrk="1" latinLnBrk="0" hangingPunct="1">
-              <a:lnSpc>
-                <a:spcPct val="90000"/>
-              </a:lnSpc>
-              <a:spcBef>
-                <a:spcPts val="500"/>
-              </a:spcBef>
-              <a:buFont typeface="Arial" panose="020B0604020202020204" pitchFamily="34" charset="0"/>
-              <a:buChar char="•"/>
-              <a:defRPr sz="2400" kern="1200">
-                <a:solidFill>
-                  <a:schemeClr val="tx1"/>
-                </a:solidFill>
-                <a:latin typeface="+mn-lt"/>
-                <a:ea typeface="+mn-ea"/>
-                <a:cs typeface="+mn-cs"/>
-              </a:defRPr>
-            </a:lvl2pPr>
-            <a:lvl3pPr marL="1143000" indent="-228600" algn="l" defTabSz="914400" rtl="0" eaLnBrk="1" latinLnBrk="0" hangingPunct="1">
-              <a:lnSpc>
-                <a:spcPct val="90000"/>
-              </a:lnSpc>
-              <a:spcBef>
-                <a:spcPts val="500"/>
-              </a:spcBef>
-              <a:buFont typeface="Arial" panose="020B0604020202020204" pitchFamily="34" charset="0"/>
-              <a:buChar char="•"/>
-              <a:defRPr sz="2000" kern="1200">
-                <a:solidFill>
-                  <a:schemeClr val="tx1"/>
-                </a:solidFill>
-                <a:latin typeface="+mn-lt"/>
-                <a:ea typeface="+mn-ea"/>
-                <a:cs typeface="+mn-cs"/>
-              </a:defRPr>
-            </a:lvl3pPr>
-            <a:lvl4pPr marL="1600200" indent="-228600" algn="l" defTabSz="914400" rtl="0" eaLnBrk="1" latinLnBrk="0" hangingPunct="1">
-              <a:lnSpc>
-                <a:spcPct val="90000"/>
-              </a:lnSpc>
-              <a:spcBef>
-                <a:spcPts val="500"/>
-              </a:spcBef>
-              <a:buFont typeface="Arial" panose="020B0604020202020204" pitchFamily="34" charset="0"/>
-              <a:buChar char="•"/>
-              <a:defRPr sz="1800" kern="1200">
-                <a:solidFill>
-                  <a:schemeClr val="tx1"/>
-                </a:solidFill>
-                <a:latin typeface="+mn-lt"/>
-                <a:ea typeface="+mn-ea"/>
-                <a:cs typeface="+mn-cs"/>
-              </a:defRPr>
-            </a:lvl4pPr>
-            <a:lvl5pPr marL="2057400" indent="-228600" algn="l" defTabSz="914400" rtl="0" eaLnBrk="1" latinLnBrk="0" hangingPunct="1">
-              <a:lnSpc>
-                <a:spcPct val="90000"/>
-              </a:lnSpc>
-              <a:spcBef>
-                <a:spcPts val="500"/>
-              </a:spcBef>
-              <a:buFont typeface="Arial" panose="020B0604020202020204" pitchFamily="34" charset="0"/>
-              <a:buChar char="•"/>
-              <a:defRPr sz="1800" kern="1200">
-                <a:solidFill>
-                  <a:schemeClr val="tx1"/>
-                </a:solidFill>
-                <a:latin typeface="+mn-lt"/>
-                <a:ea typeface="+mn-ea"/>
-                <a:cs typeface="+mn-cs"/>
-              </a:defRPr>
-            </a:lvl5pPr>
-            <a:lvl6pPr marL="2514600" indent="-228600" algn="l" defTabSz="914400" rtl="0" eaLnBrk="1" latinLnBrk="0" hangingPunct="1">
-              <a:lnSpc>
-                <a:spcPct val="90000"/>
-              </a:lnSpc>
-              <a:spcBef>
-                <a:spcPts val="500"/>
-              </a:spcBef>
-              <a:buFont typeface="Arial" panose="020B0604020202020204" pitchFamily="34" charset="0"/>
-              <a:buChar char="•"/>
-              <a:defRPr sz="1800" kern="1200">
-                <a:solidFill>
-                  <a:schemeClr val="tx1"/>
-                </a:solidFill>
-                <a:latin typeface="+mn-lt"/>
-                <a:ea typeface="+mn-ea"/>
-                <a:cs typeface="+mn-cs"/>
-              </a:defRPr>
-            </a:lvl6pPr>
-            <a:lvl7pPr marL="2971800" indent="-228600" algn="l" defTabSz="914400" rtl="0" eaLnBrk="1" latinLnBrk="0" hangingPunct="1">
-              <a:lnSpc>
-                <a:spcPct val="90000"/>
-              </a:lnSpc>
-              <a:spcBef>
-                <a:spcPts val="500"/>
-              </a:spcBef>
-              <a:buFont typeface="Arial" panose="020B0604020202020204" pitchFamily="34" charset="0"/>
-              <a:buChar char="•"/>
-              <a:defRPr sz="1800" kern="1200">
-                <a:solidFill>
-                  <a:schemeClr val="tx1"/>
-                </a:solidFill>
-                <a:latin typeface="+mn-lt"/>
-                <a:ea typeface="+mn-ea"/>
-                <a:cs typeface="+mn-cs"/>
-              </a:defRPr>
-            </a:lvl7pPr>
-            <a:lvl8pPr marL="3429000" indent="-228600" algn="l" defTabSz="914400" rtl="0" eaLnBrk="1" latinLnBrk="0" hangingPunct="1">
-              <a:lnSpc>
-                <a:spcPct val="90000"/>
-              </a:lnSpc>
-              <a:spcBef>
-                <a:spcPts val="500"/>
-              </a:spcBef>
-              <a:buFont typeface="Arial" panose="020B0604020202020204" pitchFamily="34" charset="0"/>
-              <a:buChar char="•"/>
-              <a:defRPr sz="1800" kern="1200">
-                <a:solidFill>
-                  <a:schemeClr val="tx1"/>
-                </a:solidFill>
-                <a:latin typeface="+mn-lt"/>
-                <a:ea typeface="+mn-ea"/>
-                <a:cs typeface="+mn-cs"/>
-              </a:defRPr>
-            </a:lvl8pPr>
-            <a:lvl9pPr marL="3886200" indent="-228600" algn="l" defTabSz="914400" rtl="0" eaLnBrk="1" latinLnBrk="0" hangingPunct="1">
-              <a:lnSpc>
-                <a:spcPct val="90000"/>
-              </a:lnSpc>
-              <a:spcBef>
-                <a:spcPts val="500"/>
-              </a:spcBef>
-              <a:buFont typeface="Arial" panose="020B0604020202020204" pitchFamily="34" charset="0"/>
-              <a:buChar char="•"/>
-              <a:defRPr sz="1800" kern="1200">
-                <a:solidFill>
-                  <a:schemeClr val="tx1"/>
-                </a:solidFill>
-                <a:latin typeface="+mn-lt"/>
-                <a:ea typeface="+mn-ea"/>
-                <a:cs typeface="+mn-cs"/>
-              </a:defRPr>
-            </a:lvl9pPr>
-          </a:lstStyle>
-          <a:p>
-            <a:pPr marL="0" indent="0">
-              <a:buNone/>
-            </a:pPr>
-            <a:r>
-              <a:rPr lang="pt-BR" sz="3600" dirty="0">
+              <a:t>é um jogo arcade do gênero de luta Player versus Player (</a:t>
+            </a:r>
+            <a:r>
+              <a:rPr lang="pt-BR" sz="3200" dirty="0" err="1">
                 <a:solidFill>
                   <a:schemeClr val="tx1">
                     <a:lumMod val="65000"/>
@@ -6626,23 +7450,73 @@
                 </a:effectLst>
                 <a:cs typeface="Arial" panose="020B0604020202020204" pitchFamily="34" charset="0"/>
               </a:rPr>
-              <a:t>Tela do jogo</a:t>
-            </a:r>
-          </a:p>
-          <a:p>
-            <a:endParaRPr lang="pt-BR" dirty="0">
-              <a:latin typeface="Arial" panose="020B0604020202020204" pitchFamily="34" charset="0"/>
-              <a:cs typeface="Arial" panose="020B0604020202020204" pitchFamily="34" charset="0"/>
-            </a:endParaRPr>
+              <a:t>PvP</a:t>
+            </a:r>
+            <a:r>
+              <a:rPr lang="pt-BR" sz="3200" dirty="0">
+                <a:solidFill>
+                  <a:schemeClr val="tx1">
+                    <a:lumMod val="65000"/>
+                    <a:lumOff val="35000"/>
+                  </a:schemeClr>
+                </a:solidFill>
+                <a:effectLst>
+                  <a:outerShdw blurRad="38100" dist="38100" dir="2700000" algn="tl">
+                    <a:srgbClr val="000000">
+                      <a:alpha val="43137"/>
+                    </a:srgbClr>
+                  </a:outerShdw>
+                </a:effectLst>
+                <a:cs typeface="Arial" panose="020B0604020202020204" pitchFamily="34" charset="0"/>
+              </a:rPr>
+              <a:t>),</a:t>
+            </a:r>
+            <a:r>
+              <a:rPr lang="pt-BR" sz="3200" dirty="0">
+                <a:solidFill>
+                  <a:schemeClr val="tx1">
+                    <a:lumMod val="65000"/>
+                    <a:lumOff val="35000"/>
+                  </a:schemeClr>
+                </a:solidFill>
+                <a:effectLst>
+                  <a:outerShdw blurRad="38100" dist="38100" dir="2700000" algn="tl">
+                    <a:srgbClr val="000000">
+                      <a:alpha val="43137"/>
+                    </a:srgbClr>
+                  </a:outerShdw>
+                </a:effectLst>
+              </a:rPr>
+              <a:t> </a:t>
+            </a:r>
+            <a:r>
+              <a:rPr lang="pt-BR" sz="3200" dirty="0">
+                <a:solidFill>
+                  <a:schemeClr val="tx1">
+                    <a:lumMod val="65000"/>
+                    <a:lumOff val="35000"/>
+                  </a:schemeClr>
+                </a:solidFill>
+                <a:effectLst>
+                  <a:outerShdw blurRad="38100" dist="38100" dir="2700000" algn="tl">
+                    <a:srgbClr val="000000">
+                      <a:alpha val="43137"/>
+                    </a:srgbClr>
+                  </a:outerShdw>
+                </a:effectLst>
+                <a:cs typeface="Arial" panose="020B0604020202020204" pitchFamily="34" charset="0"/>
+              </a:rPr>
+              <a:t>com o intuito de proporcionar um único desafio de derrotar o oponente até sua barra de energia se esgotar, assim declarando um vencedor e um perdedor, para alcançar o objetivo do jogo o jogador deve utilizar de habilidades e estratégias para conseguir derrotar o seu oponente.</a:t>
+            </a:r>
           </a:p>
         </p:txBody>
       </p:sp>
       <p:pic>
         <p:nvPicPr>
-          <p:cNvPr id="7" name="Imagem 6">
-            <a:extLst>
-              <a:ext uri="{FF2B5EF4-FFF2-40B4-BE49-F238E27FC236}">
-                <a16:creationId xmlns:a16="http://schemas.microsoft.com/office/drawing/2014/main" id="{C306E884-7308-4B65-9067-178DCF1BBA06}"/>
+          <p:cNvPr id="4" name="Imagem 3">
+            <a:extLst>
+              <a:ext uri="{FF2B5EF4-FFF2-40B4-BE49-F238E27FC236}">
+                <a16:creationId xmlns:a16="http://schemas.microsoft.com/office/drawing/2014/main" id="{75C8AABD-0837-4EAB-80BD-A9BB7DCFF920}"/>
               </a:ext>
             </a:extLst>
           </p:cNvPr>
@@ -6651,7 +7525,7 @@
           </p:cNvPicPr>
           <p:nvPr/>
         </p:nvPicPr>
-        <p:blipFill>
+        <p:blipFill rotWithShape="1">
           <a:blip r:embed="rId2">
             <a:extLst>
               <a:ext uri="{28A0092B-C50C-407E-A947-70E740481C1C}">
@@ -6659,418 +7533,72 @@
               </a:ext>
             </a:extLst>
           </a:blip>
-          <a:stretch>
-            <a:fillRect/>
-          </a:stretch>
+          <a:srcRect t="71509" b="8500"/>
+          <a:stretch/>
         </p:blipFill>
         <p:spPr>
           <a:xfrm>
-            <a:off x="5434341" y="1722123"/>
-            <a:ext cx="6316231" cy="3413754"/>
+            <a:off x="2217057" y="5472790"/>
+            <a:ext cx="9176657" cy="1005570"/>
           </a:xfrm>
           <a:prstGeom prst="rect">
             <a:avLst/>
           </a:prstGeom>
         </p:spPr>
       </p:pic>
-      <p:pic>
-        <p:nvPicPr>
-          <p:cNvPr id="8" name="Imagem 7">
-            <a:extLst>
-              <a:ext uri="{FF2B5EF4-FFF2-40B4-BE49-F238E27FC236}">
-                <a16:creationId xmlns:a16="http://schemas.microsoft.com/office/drawing/2014/main" id="{56B478B1-C467-44CD-9054-2F54F39D52DA}"/>
-              </a:ext>
-            </a:extLst>
-          </p:cNvPr>
-          <p:cNvPicPr/>
+      <p:sp>
+        <p:nvSpPr>
+          <p:cNvPr id="5" name="Retângulo 4">
+            <a:extLst>
+              <a:ext uri="{FF2B5EF4-FFF2-40B4-BE49-F238E27FC236}">
+                <a16:creationId xmlns:a16="http://schemas.microsoft.com/office/drawing/2014/main" id="{B32C4475-858E-43E6-BF38-84FBA33197E7}"/>
+              </a:ext>
+            </a:extLst>
+          </p:cNvPr>
+          <p:cNvSpPr/>
           <p:nvPr/>
-        </p:nvPicPr>
-        <p:blipFill>
-          <a:blip r:embed="rId3">
-            <a:extLst>
-              <a:ext uri="{28A0092B-C50C-407E-A947-70E740481C1C}">
-                <a14:useLocalDpi xmlns:a14="http://schemas.microsoft.com/office/drawing/2010/main" val="0"/>
-              </a:ext>
-            </a:extLst>
-          </a:blip>
-          <a:srcRect/>
-          <a:stretch>
-            <a:fillRect/>
-          </a:stretch>
-        </p:blipFill>
-        <p:spPr bwMode="auto">
+        </p:nvSpPr>
+        <p:spPr>
           <a:xfrm>
-            <a:off x="1021363" y="798586"/>
-            <a:ext cx="3093675" cy="3062569"/>
+            <a:off x="-232229" y="-72572"/>
+            <a:ext cx="1465943" cy="7634514"/>
           </a:xfrm>
           <a:prstGeom prst="rect">
             <a:avLst/>
           </a:prstGeom>
-          <a:noFill/>
-          <a:ln>
-            <a:noFill/>
-          </a:ln>
+          <a:solidFill>
+            <a:srgbClr val="C00000"/>
+          </a:solidFill>
         </p:spPr>
-      </p:pic>
-      <p:sp>
-        <p:nvSpPr>
-          <p:cNvPr id="9" name="Espaço Reservado para Conteúdo 2">
-            <a:extLst>
-              <a:ext uri="{FF2B5EF4-FFF2-40B4-BE49-F238E27FC236}">
-                <a16:creationId xmlns:a16="http://schemas.microsoft.com/office/drawing/2014/main" id="{A556750A-10DF-4915-84A0-2805DF67500D}"/>
-              </a:ext>
-            </a:extLst>
-          </p:cNvPr>
-          <p:cNvSpPr txBox="1">
-            <a:spLocks/>
-          </p:cNvSpPr>
-          <p:nvPr/>
-        </p:nvSpPr>
-        <p:spPr>
-          <a:xfrm>
-            <a:off x="724059" y="4047306"/>
-            <a:ext cx="3688284" cy="2498637"/>
-          </a:xfrm>
-          <a:prstGeom prst="rect">
-            <a:avLst/>
-          </a:prstGeom>
-        </p:spPr>
-        <p:txBody>
-          <a:bodyPr vert="horz" lIns="91440" tIns="45720" rIns="91440" bIns="45720" rtlCol="0">
-            <a:normAutofit fontScale="77500" lnSpcReduction="20000"/>
-          </a:bodyPr>
-          <a:lstStyle>
-            <a:lvl1pPr marL="228600" indent="-228600" algn="l" defTabSz="914400" rtl="0" eaLnBrk="1" latinLnBrk="0" hangingPunct="1">
-              <a:lnSpc>
-                <a:spcPct val="90000"/>
-              </a:lnSpc>
-              <a:spcBef>
-                <a:spcPts val="1000"/>
-              </a:spcBef>
-              <a:buFont typeface="Arial" panose="020B0604020202020204" pitchFamily="34" charset="0"/>
-              <a:buChar char="•"/>
-              <a:defRPr sz="2800" kern="1200">
-                <a:solidFill>
-                  <a:schemeClr val="tx1"/>
-                </a:solidFill>
-                <a:latin typeface="+mn-lt"/>
-                <a:ea typeface="+mn-ea"/>
-                <a:cs typeface="+mn-cs"/>
-              </a:defRPr>
-            </a:lvl1pPr>
-            <a:lvl2pPr marL="685800" indent="-228600" algn="l" defTabSz="914400" rtl="0" eaLnBrk="1" latinLnBrk="0" hangingPunct="1">
-              <a:lnSpc>
-                <a:spcPct val="90000"/>
-              </a:lnSpc>
-              <a:spcBef>
-                <a:spcPts val="500"/>
-              </a:spcBef>
-              <a:buFont typeface="Arial" panose="020B0604020202020204" pitchFamily="34" charset="0"/>
-              <a:buChar char="•"/>
-              <a:defRPr sz="2400" kern="1200">
-                <a:solidFill>
-                  <a:schemeClr val="tx1"/>
-                </a:solidFill>
-                <a:latin typeface="+mn-lt"/>
-                <a:ea typeface="+mn-ea"/>
-                <a:cs typeface="+mn-cs"/>
-              </a:defRPr>
-            </a:lvl2pPr>
-            <a:lvl3pPr marL="1143000" indent="-228600" algn="l" defTabSz="914400" rtl="0" eaLnBrk="1" latinLnBrk="0" hangingPunct="1">
-              <a:lnSpc>
-                <a:spcPct val="90000"/>
-              </a:lnSpc>
-              <a:spcBef>
-                <a:spcPts val="500"/>
-              </a:spcBef>
-              <a:buFont typeface="Arial" panose="020B0604020202020204" pitchFamily="34" charset="0"/>
-              <a:buChar char="•"/>
-              <a:defRPr sz="2000" kern="1200">
-                <a:solidFill>
-                  <a:schemeClr val="tx1"/>
-                </a:solidFill>
-                <a:latin typeface="+mn-lt"/>
-                <a:ea typeface="+mn-ea"/>
-                <a:cs typeface="+mn-cs"/>
-              </a:defRPr>
-            </a:lvl3pPr>
-            <a:lvl4pPr marL="1600200" indent="-228600" algn="l" defTabSz="914400" rtl="0" eaLnBrk="1" latinLnBrk="0" hangingPunct="1">
-              <a:lnSpc>
-                <a:spcPct val="90000"/>
-              </a:lnSpc>
-              <a:spcBef>
-                <a:spcPts val="500"/>
-              </a:spcBef>
-              <a:buFont typeface="Arial" panose="020B0604020202020204" pitchFamily="34" charset="0"/>
-              <a:buChar char="•"/>
-              <a:defRPr sz="1800" kern="1200">
-                <a:solidFill>
-                  <a:schemeClr val="tx1"/>
-                </a:solidFill>
-                <a:latin typeface="+mn-lt"/>
-                <a:ea typeface="+mn-ea"/>
-                <a:cs typeface="+mn-cs"/>
-              </a:defRPr>
-            </a:lvl4pPr>
-            <a:lvl5pPr marL="2057400" indent="-228600" algn="l" defTabSz="914400" rtl="0" eaLnBrk="1" latinLnBrk="0" hangingPunct="1">
-              <a:lnSpc>
-                <a:spcPct val="90000"/>
-              </a:lnSpc>
-              <a:spcBef>
-                <a:spcPts val="500"/>
-              </a:spcBef>
-              <a:buFont typeface="Arial" panose="020B0604020202020204" pitchFamily="34" charset="0"/>
-              <a:buChar char="•"/>
-              <a:defRPr sz="1800" kern="1200">
-                <a:solidFill>
-                  <a:schemeClr val="tx1"/>
-                </a:solidFill>
-                <a:latin typeface="+mn-lt"/>
-                <a:ea typeface="+mn-ea"/>
-                <a:cs typeface="+mn-cs"/>
-              </a:defRPr>
-            </a:lvl5pPr>
-            <a:lvl6pPr marL="2514600" indent="-228600" algn="l" defTabSz="914400" rtl="0" eaLnBrk="1" latinLnBrk="0" hangingPunct="1">
-              <a:lnSpc>
-                <a:spcPct val="90000"/>
-              </a:lnSpc>
-              <a:spcBef>
-                <a:spcPts val="500"/>
-              </a:spcBef>
-              <a:buFont typeface="Arial" panose="020B0604020202020204" pitchFamily="34" charset="0"/>
-              <a:buChar char="•"/>
-              <a:defRPr sz="1800" kern="1200">
-                <a:solidFill>
-                  <a:schemeClr val="tx1"/>
-                </a:solidFill>
-                <a:latin typeface="+mn-lt"/>
-                <a:ea typeface="+mn-ea"/>
-                <a:cs typeface="+mn-cs"/>
-              </a:defRPr>
-            </a:lvl6pPr>
-            <a:lvl7pPr marL="2971800" indent="-228600" algn="l" defTabSz="914400" rtl="0" eaLnBrk="1" latinLnBrk="0" hangingPunct="1">
-              <a:lnSpc>
-                <a:spcPct val="90000"/>
-              </a:lnSpc>
-              <a:spcBef>
-                <a:spcPts val="500"/>
-              </a:spcBef>
-              <a:buFont typeface="Arial" panose="020B0604020202020204" pitchFamily="34" charset="0"/>
-              <a:buChar char="•"/>
-              <a:defRPr sz="1800" kern="1200">
-                <a:solidFill>
-                  <a:schemeClr val="tx1"/>
-                </a:solidFill>
-                <a:latin typeface="+mn-lt"/>
-                <a:ea typeface="+mn-ea"/>
-                <a:cs typeface="+mn-cs"/>
-              </a:defRPr>
-            </a:lvl7pPr>
-            <a:lvl8pPr marL="3429000" indent="-228600" algn="l" defTabSz="914400" rtl="0" eaLnBrk="1" latinLnBrk="0" hangingPunct="1">
-              <a:lnSpc>
-                <a:spcPct val="90000"/>
-              </a:lnSpc>
-              <a:spcBef>
-                <a:spcPts val="500"/>
-              </a:spcBef>
-              <a:buFont typeface="Arial" panose="020B0604020202020204" pitchFamily="34" charset="0"/>
-              <a:buChar char="•"/>
-              <a:defRPr sz="1800" kern="1200">
-                <a:solidFill>
-                  <a:schemeClr val="tx1"/>
-                </a:solidFill>
-                <a:latin typeface="+mn-lt"/>
-                <a:ea typeface="+mn-ea"/>
-                <a:cs typeface="+mn-cs"/>
-              </a:defRPr>
-            </a:lvl8pPr>
-            <a:lvl9pPr marL="3886200" indent="-228600" algn="l" defTabSz="914400" rtl="0" eaLnBrk="1" latinLnBrk="0" hangingPunct="1">
-              <a:lnSpc>
-                <a:spcPct val="90000"/>
-              </a:lnSpc>
-              <a:spcBef>
-                <a:spcPts val="500"/>
-              </a:spcBef>
-              <a:buFont typeface="Arial" panose="020B0604020202020204" pitchFamily="34" charset="0"/>
-              <a:buChar char="•"/>
-              <a:defRPr sz="1800" kern="1200">
-                <a:solidFill>
-                  <a:schemeClr val="tx1"/>
-                </a:solidFill>
-                <a:latin typeface="+mn-lt"/>
-                <a:ea typeface="+mn-ea"/>
-                <a:cs typeface="+mn-cs"/>
-              </a:defRPr>
-            </a:lvl9pPr>
-          </a:lstStyle>
-          <a:p>
-            <a:pPr marL="0" indent="0" algn="ctr">
-              <a:buFont typeface="Arial" panose="020B0604020202020204" pitchFamily="34" charset="0"/>
-              <a:buNone/>
-            </a:pPr>
-            <a:r>
-              <a:rPr lang="pt-BR" sz="4600" dirty="0">
-                <a:solidFill>
-                  <a:schemeClr val="tx1">
-                    <a:lumMod val="65000"/>
-                    <a:lumOff val="35000"/>
-                  </a:schemeClr>
-                </a:solidFill>
-                <a:effectLst>
-                  <a:outerShdw blurRad="38100" dist="38100" dir="2700000" algn="tl">
-                    <a:srgbClr val="000000">
-                      <a:alpha val="43137"/>
-                    </a:srgbClr>
-                  </a:outerShdw>
-                </a:effectLst>
-                <a:cs typeface="Arial" panose="020B0604020202020204" pitchFamily="34" charset="0"/>
-              </a:rPr>
-              <a:t>Tela de pause</a:t>
-            </a:r>
-          </a:p>
-          <a:p>
-            <a:endParaRPr lang="pt-BR" dirty="0">
-              <a:latin typeface="Arial" panose="020B0604020202020204" pitchFamily="34" charset="0"/>
-              <a:cs typeface="Arial" panose="020B0604020202020204" pitchFamily="34" charset="0"/>
-            </a:endParaRPr>
-          </a:p>
-          <a:p>
-            <a:endParaRPr lang="pt-BR" dirty="0">
-              <a:latin typeface="Arial" panose="020B0604020202020204" pitchFamily="34" charset="0"/>
-              <a:cs typeface="Arial" panose="020B0604020202020204" pitchFamily="34" charset="0"/>
-            </a:endParaRPr>
-          </a:p>
-          <a:p>
-            <a:endParaRPr lang="pt-BR" dirty="0">
-              <a:latin typeface="Arial" panose="020B0604020202020204" pitchFamily="34" charset="0"/>
-              <a:cs typeface="Arial" panose="020B0604020202020204" pitchFamily="34" charset="0"/>
-            </a:endParaRPr>
-          </a:p>
-          <a:p>
-            <a:endParaRPr lang="pt-BR" dirty="0">
-              <a:latin typeface="Arial" panose="020B0604020202020204" pitchFamily="34" charset="0"/>
-              <a:cs typeface="Arial" panose="020B0604020202020204" pitchFamily="34" charset="0"/>
-            </a:endParaRPr>
-          </a:p>
-          <a:p>
-            <a:endParaRPr lang="pt-BR" dirty="0">
-              <a:solidFill>
-                <a:schemeClr val="tx1">
-                  <a:lumMod val="65000"/>
-                  <a:lumOff val="35000"/>
-                </a:schemeClr>
-              </a:solidFill>
-              <a:latin typeface="Arial" panose="020B0604020202020204" pitchFamily="34" charset="0"/>
-              <a:cs typeface="Arial" panose="020B0604020202020204" pitchFamily="34" charset="0"/>
-            </a:endParaRPr>
-          </a:p>
-          <a:p>
-            <a:pPr marL="0" indent="0">
-              <a:buFont typeface="Arial" panose="020B0604020202020204" pitchFamily="34" charset="0"/>
-              <a:buNone/>
-            </a:pPr>
-            <a:r>
-              <a:rPr lang="pt-BR" sz="900" dirty="0">
-                <a:solidFill>
-                  <a:schemeClr val="tx1">
-                    <a:lumMod val="65000"/>
-                    <a:lumOff val="35000"/>
-                  </a:schemeClr>
-                </a:solidFill>
-                <a:latin typeface="Arial" panose="020B0604020202020204" pitchFamily="34" charset="0"/>
-                <a:cs typeface="Arial" panose="020B0604020202020204" pitchFamily="34" charset="0"/>
-              </a:rPr>
-              <a:t>FONTE:</a:t>
-            </a:r>
-            <a:r>
-              <a:rPr lang="pt-BR" sz="900" b="1" dirty="0">
-                <a:solidFill>
-                  <a:schemeClr val="tx1">
-                    <a:lumMod val="65000"/>
-                    <a:lumOff val="35000"/>
-                  </a:schemeClr>
-                </a:solidFill>
-                <a:latin typeface="Arial" panose="020B0604020202020204" pitchFamily="34" charset="0"/>
-                <a:cs typeface="Arial" panose="020B0604020202020204" pitchFamily="34" charset="0"/>
-              </a:rPr>
-              <a:t> DEPOSITPHOTOS.COM</a:t>
-            </a:r>
-            <a:r>
-              <a:rPr lang="pt-BR" sz="900" dirty="0">
-                <a:solidFill>
-                  <a:schemeClr val="tx1">
-                    <a:lumMod val="65000"/>
-                    <a:lumOff val="35000"/>
-                  </a:schemeClr>
-                </a:solidFill>
-                <a:latin typeface="Arial" panose="020B0604020202020204" pitchFamily="34" charset="0"/>
-                <a:cs typeface="Arial" panose="020B0604020202020204" pitchFamily="34" charset="0"/>
-              </a:rPr>
-              <a:t> IMAGEM MERAMENTE ILUSTRATIVA</a:t>
-            </a:r>
-          </a:p>
-          <a:p>
-            <a:pPr marL="0" indent="0">
-              <a:buFont typeface="Arial" panose="020B0604020202020204" pitchFamily="34" charset="0"/>
-              <a:buNone/>
-            </a:pPr>
-            <a:endParaRPr lang="pt-BR" dirty="0">
-              <a:latin typeface="Arial" panose="020B0604020202020204" pitchFamily="34" charset="0"/>
-              <a:cs typeface="Arial" panose="020B0604020202020204" pitchFamily="34" charset="0"/>
-            </a:endParaRPr>
-          </a:p>
-          <a:p>
-            <a:pPr marL="0" indent="0">
-              <a:buFont typeface="Arial" panose="020B0604020202020204" pitchFamily="34" charset="0"/>
-              <a:buNone/>
-            </a:pPr>
-            <a:endParaRPr lang="pt-BR" dirty="0">
-              <a:latin typeface="Arial" panose="020B0604020202020204" pitchFamily="34" charset="0"/>
-              <a:cs typeface="Arial" panose="020B0604020202020204" pitchFamily="34" charset="0"/>
-            </a:endParaRPr>
-          </a:p>
-        </p:txBody>
-      </p:sp>
-      <p:pic>
-        <p:nvPicPr>
-          <p:cNvPr id="10" name="Imagem 9">
-            <a:extLst>
-              <a:ext uri="{FF2B5EF4-FFF2-40B4-BE49-F238E27FC236}">
-                <a16:creationId xmlns:a16="http://schemas.microsoft.com/office/drawing/2014/main" id="{FA1917CB-0D77-4426-B8DF-E10BF35D6241}"/>
-              </a:ext>
-            </a:extLst>
-          </p:cNvPr>
-          <p:cNvPicPr>
-            <a:picLocks noChangeAspect="1"/>
-          </p:cNvPicPr>
-          <p:nvPr/>
-        </p:nvPicPr>
-        <p:blipFill>
-          <a:blip r:embed="rId4">
-            <a:extLst>
-              <a:ext uri="{28A0092B-C50C-407E-A947-70E740481C1C}">
-                <a14:useLocalDpi xmlns:a14="http://schemas.microsoft.com/office/drawing/2010/main" val="0"/>
-              </a:ext>
-            </a:extLst>
-          </a:blip>
-          <a:stretch>
-            <a:fillRect/>
-          </a:stretch>
-        </p:blipFill>
-        <p:spPr>
-          <a:xfrm>
-            <a:off x="724059" y="4494981"/>
-            <a:ext cx="3927145" cy="1673068"/>
-          </a:xfrm>
-          <a:prstGeom prst="rect">
-            <a:avLst/>
-          </a:prstGeom>
-        </p:spPr>
-      </p:pic>
+        <p:style>
+          <a:lnRef idx="2">
+            <a:schemeClr val="accent1">
+              <a:shade val="50000"/>
+            </a:schemeClr>
+          </a:lnRef>
+          <a:fillRef idx="1">
+            <a:schemeClr val="accent1"/>
+          </a:fillRef>
+          <a:effectRef idx="0">
+            <a:schemeClr val="accent1"/>
+          </a:effectRef>
+          <a:fontRef idx="minor">
+            <a:schemeClr val="lt1"/>
+          </a:fontRef>
+        </p:style>
+        <p:txBody>
+          <a:bodyPr rtlCol="0" anchor="ctr"/>
+          <a:lstStyle/>
+          <a:p>
+            <a:pPr algn="ctr"/>
+            <a:endParaRPr lang="pt-BR"/>
+          </a:p>
+        </p:txBody>
+      </p:sp>
     </p:spTree>
     <p:extLst>
       <p:ext uri="{BB962C8B-B14F-4D97-AF65-F5344CB8AC3E}">
-        <p14:creationId xmlns:p14="http://schemas.microsoft.com/office/powerpoint/2010/main" val="2843784898"/>
+        <p14:creationId xmlns:p14="http://schemas.microsoft.com/office/powerpoint/2010/main" val="940220039"/>
       </p:ext>
     </p:extLst>
   </p:cSld>
@@ -7102,7 +7630,7 @@
           <p:cNvPr id="2" name="Título 1">
             <a:extLst>
               <a:ext uri="{FF2B5EF4-FFF2-40B4-BE49-F238E27FC236}">
-                <a16:creationId xmlns:a16="http://schemas.microsoft.com/office/drawing/2014/main" id="{3879A59D-8CA4-433C-A187-492B2670A621}"/>
+                <a16:creationId xmlns:a16="http://schemas.microsoft.com/office/drawing/2014/main" id="{BCA1A2D1-E6E0-4141-A599-8D359BD3D51D}"/>
               </a:ext>
             </a:extLst>
           </p:cNvPr>
@@ -7113,7 +7641,12 @@
             <p:ph type="title"/>
           </p:nvPr>
         </p:nvSpPr>
-        <p:spPr/>
+        <p:spPr>
+          <a:xfrm>
+            <a:off x="1447800" y="378427"/>
+            <a:ext cx="10515600" cy="1194759"/>
+          </a:xfrm>
+        </p:spPr>
         <p:txBody>
           <a:bodyPr>
             <a:normAutofit/>
@@ -7136,8 +7669,21 @@
                 <a:latin typeface="+mn-lt"/>
                 <a:cs typeface="Arial" panose="020B0604020202020204" pitchFamily="34" charset="0"/>
               </a:rPr>
-              <a:t>História</a:t>
-            </a:r>
+              <a:t>Controles</a:t>
+            </a:r>
+            <a:endParaRPr lang="pt-BR" sz="4800" b="1" dirty="0">
+              <a:solidFill>
+                <a:srgbClr val="FF0000"/>
+              </a:solidFill>
+              <a:effectLst>
+                <a:outerShdw blurRad="38100" dist="38100" dir="2700000" algn="tl">
+                  <a:srgbClr val="000000">
+                    <a:alpha val="43137"/>
+                  </a:srgbClr>
+                </a:outerShdw>
+              </a:effectLst>
+              <a:latin typeface="+mn-lt"/>
+            </a:endParaRPr>
           </a:p>
         </p:txBody>
       </p:sp>
@@ -7146,7 +7692,7 @@
           <p:cNvPr id="3" name="Espaço Reservado para Conteúdo 2">
             <a:extLst>
               <a:ext uri="{FF2B5EF4-FFF2-40B4-BE49-F238E27FC236}">
-                <a16:creationId xmlns:a16="http://schemas.microsoft.com/office/drawing/2014/main" id="{A664D39E-3A88-4519-9A74-215ED8B1D21D}"/>
+                <a16:creationId xmlns:a16="http://schemas.microsoft.com/office/drawing/2014/main" id="{875BF6AF-3194-492A-BD23-0517496D7F02}"/>
               </a:ext>
             </a:extLst>
           </p:cNvPr>
@@ -7154,18 +7700,18 @@
             <a:spLocks noGrp="1"/>
           </p:cNvSpPr>
           <p:nvPr>
-            <p:ph idx="4294967295"/>
+            <p:ph idx="1"/>
           </p:nvPr>
         </p:nvSpPr>
         <p:spPr>
           <a:xfrm>
-            <a:off x="546545" y="1690688"/>
-            <a:ext cx="7508883" cy="3778250"/>
+            <a:off x="1922236" y="1588913"/>
+            <a:ext cx="9566728" cy="4351338"/>
           </a:xfrm>
         </p:spPr>
         <p:txBody>
           <a:bodyPr>
-            <a:normAutofit fontScale="92500" lnSpcReduction="20000"/>
+            <a:normAutofit/>
           </a:bodyPr>
           <a:lstStyle/>
           <a:p>
@@ -7173,7 +7719,7 @@
               <a:buNone/>
             </a:pPr>
             <a:r>
-              <a:rPr lang="pt-BR" sz="3900" dirty="0">
+              <a:rPr lang="pt-BR" sz="4000" dirty="0">
                 <a:solidFill>
                   <a:schemeClr val="tx1">
                     <a:lumMod val="65000"/>
@@ -7189,26 +7735,10 @@
                 </a:effectLst>
                 <a:cs typeface="Arial" panose="020B0604020202020204" pitchFamily="34" charset="0"/>
               </a:rPr>
-              <a:t>A universidade </a:t>
-            </a:r>
-            <a:r>
-              <a:rPr lang="pt-BR" sz="3900" b="1" dirty="0">
-                <a:solidFill>
-                  <a:srgbClr val="FF0000"/>
-                </a:solidFill>
-                <a:effectLst>
-                  <a:outerShdw blurRad="38100" dist="38100" dir="2700000" algn="tl">
-                    <a:srgbClr val="000000">
-                      <a:alpha val="43137"/>
-                    </a:srgbClr>
-                  </a:outerShdw>
-                </a:effectLst>
-                <a:cs typeface="Arial" panose="020B0604020202020204" pitchFamily="34" charset="0"/>
-              </a:rPr>
-              <a:t>UNA</a:t>
-            </a:r>
-            <a:r>
-              <a:rPr lang="pt-BR" sz="3900" dirty="0">
+              <a:t>O jogador utiliza o joystick para realizar a movimentação e os comandos de ação sobre o personagem jogável, como mostrado na imagem a seguir</a:t>
+            </a:r>
+            <a:r>
+              <a:rPr lang="pt-BR" sz="4000" dirty="0">
                 <a:solidFill>
                   <a:schemeClr val="tx1">
                     <a:lumMod val="65000"/>
@@ -7222,182 +7752,29 @@
                     </a:srgbClr>
                   </a:outerShdw>
                 </a:effectLst>
+                <a:latin typeface="Arial" panose="020B0604020202020204" pitchFamily="34" charset="0"/>
                 <a:cs typeface="Arial" panose="020B0604020202020204" pitchFamily="34" charset="0"/>
               </a:rPr>
-              <a:t> foi controlada pela organização </a:t>
-            </a:r>
-            <a:r>
-              <a:rPr lang="pt-BR" sz="3900" b="1" dirty="0">
-                <a:solidFill>
-                  <a:schemeClr val="tx1">
-                    <a:lumMod val="65000"/>
-                    <a:lumOff val="35000"/>
-                  </a:schemeClr>
-                </a:solidFill>
-                <a:effectLst>
-                  <a:outerShdw blurRad="38100" dist="38100" dir="2700000" algn="tl">
-                    <a:srgbClr val="000000">
-                      <a:alpha val="43137"/>
-                    </a:srgbClr>
-                  </a:outerShdw>
-                </a:effectLst>
-                <a:cs typeface="Arial" panose="020B0604020202020204" pitchFamily="34" charset="0"/>
-              </a:rPr>
-              <a:t>“</a:t>
-            </a:r>
-            <a:r>
-              <a:rPr lang="pt-BR" sz="3900" b="1" dirty="0" err="1">
-                <a:solidFill>
-                  <a:srgbClr val="7030A0"/>
-                </a:solidFill>
-                <a:effectLst>
-                  <a:outerShdw blurRad="38100" dist="38100" dir="2700000" algn="tl">
-                    <a:srgbClr val="000000">
-                      <a:alpha val="43137"/>
-                    </a:srgbClr>
-                  </a:outerShdw>
-                </a:effectLst>
-                <a:cs typeface="Arial" panose="020B0604020202020204" pitchFamily="34" charset="0"/>
-              </a:rPr>
-              <a:t>Desânima</a:t>
-            </a:r>
-            <a:r>
-              <a:rPr lang="pt-BR" sz="3900" b="1" dirty="0">
-                <a:solidFill>
-                  <a:schemeClr val="tx1">
-                    <a:lumMod val="65000"/>
-                    <a:lumOff val="35000"/>
-                  </a:schemeClr>
-                </a:solidFill>
-                <a:effectLst>
-                  <a:outerShdw blurRad="38100" dist="38100" dir="2700000" algn="tl">
-                    <a:srgbClr val="000000">
-                      <a:alpha val="43137"/>
-                    </a:srgbClr>
-                  </a:outerShdw>
-                </a:effectLst>
-                <a:cs typeface="Arial" panose="020B0604020202020204" pitchFamily="34" charset="0"/>
-              </a:rPr>
-              <a:t>”, </a:t>
-            </a:r>
-            <a:r>
-              <a:rPr lang="pt-BR" sz="3900" dirty="0">
-                <a:solidFill>
-                  <a:schemeClr val="tx1">
-                    <a:lumMod val="65000"/>
-                    <a:lumOff val="35000"/>
-                  </a:schemeClr>
-                </a:solidFill>
-                <a:effectLst>
-                  <a:outerShdw blurRad="38100" dist="38100" dir="2700000" algn="tl">
-                    <a:srgbClr val="000000">
-                      <a:alpha val="43137"/>
-                    </a:srgbClr>
-                  </a:outerShdw>
-                </a:effectLst>
-                <a:cs typeface="Arial" panose="020B0604020202020204" pitchFamily="34" charset="0"/>
-              </a:rPr>
-              <a:t>enfeitiçando todos os professores e usando-os como fantoche para lecionarem aulas com má vontade. Cabe ao grupo de amigos </a:t>
-            </a:r>
-            <a:r>
-              <a:rPr lang="pt-BR" sz="3900" b="1" dirty="0">
-                <a:solidFill>
-                  <a:srgbClr val="FFFF00"/>
-                </a:solidFill>
-                <a:effectLst>
-                  <a:outerShdw blurRad="38100" dist="38100" dir="2700000" algn="tl">
-                    <a:srgbClr val="000000">
-                      <a:alpha val="43137"/>
-                    </a:srgbClr>
-                  </a:outerShdw>
-                </a:effectLst>
-                <a:cs typeface="Arial" panose="020B0604020202020204" pitchFamily="34" charset="0"/>
-              </a:rPr>
-              <a:t>Sistemáticos</a:t>
-            </a:r>
-            <a:r>
-              <a:rPr lang="pt-BR" sz="3900" dirty="0">
-                <a:solidFill>
-                  <a:schemeClr val="tx1">
-                    <a:lumMod val="65000"/>
-                    <a:lumOff val="35000"/>
-                  </a:schemeClr>
-                </a:solidFill>
-                <a:effectLst>
-                  <a:outerShdw blurRad="38100" dist="38100" dir="2700000" algn="tl">
-                    <a:srgbClr val="000000">
-                      <a:alpha val="43137"/>
-                    </a:srgbClr>
-                  </a:outerShdw>
-                </a:effectLst>
-                <a:cs typeface="Arial" panose="020B0604020202020204" pitchFamily="34" charset="0"/>
-              </a:rPr>
-              <a:t>, derrotar essa ameaça e salvar os professores que foram corrompidos com a arte maligna do desleixo.</a:t>
-            </a:r>
-          </a:p>
-          <a:p>
-            <a:endParaRPr lang="pt-BR" dirty="0">
-              <a:solidFill>
-                <a:schemeClr val="tx1"/>
-              </a:solidFill>
+              <a:t>:</a:t>
+            </a:r>
+          </a:p>
+          <a:p>
+            <a:pPr marL="0" indent="0">
+              <a:buNone/>
+            </a:pPr>
+            <a:endParaRPr lang="pt-BR" sz="3200" dirty="0">
+              <a:latin typeface="Arial" panose="020B0604020202020204" pitchFamily="34" charset="0"/>
               <a:cs typeface="Arial" panose="020B0604020202020204" pitchFamily="34" charset="0"/>
             </a:endParaRPr>
           </a:p>
-          <a:p>
-            <a:endParaRPr lang="pt-BR" dirty="0">
-              <a:solidFill>
-                <a:schemeClr val="tx1"/>
-              </a:solidFill>
-              <a:cs typeface="Arial" panose="020B0604020202020204" pitchFamily="34" charset="0"/>
-            </a:endParaRPr>
-          </a:p>
-          <a:p>
-            <a:endParaRPr lang="pt-BR" dirty="0"/>
-          </a:p>
-        </p:txBody>
-      </p:sp>
-      <p:pic>
-        <p:nvPicPr>
-          <p:cNvPr id="5" name="Imagem 4">
-            <a:extLst>
-              <a:ext uri="{FF2B5EF4-FFF2-40B4-BE49-F238E27FC236}">
-                <a16:creationId xmlns:a16="http://schemas.microsoft.com/office/drawing/2014/main" id="{24CD6FBE-8F30-41EF-8BF5-1C5B70F17B66}"/>
-              </a:ext>
-            </a:extLst>
-          </p:cNvPr>
-          <p:cNvPicPr>
-            <a:picLocks noChangeAspect="1"/>
-          </p:cNvPicPr>
-          <p:nvPr/>
-        </p:nvPicPr>
-        <p:blipFill>
-          <a:blip r:embed="rId2">
-            <a:extLst>
-              <a:ext uri="{28A0092B-C50C-407E-A947-70E740481C1C}">
-                <a14:useLocalDpi xmlns:a14="http://schemas.microsoft.com/office/drawing/2010/main" val="0"/>
-              </a:ext>
-            </a:extLst>
-          </a:blip>
-          <a:stretch>
-            <a:fillRect/>
-          </a:stretch>
-        </p:blipFill>
-        <p:spPr>
-          <a:xfrm flipH="1">
-            <a:off x="7543807" y="328023"/>
-            <a:ext cx="6210293" cy="5855970"/>
-          </a:xfrm>
-          <a:prstGeom prst="rect">
-            <a:avLst/>
-          </a:prstGeom>
-        </p:spPr>
-      </p:pic>
-      <p:sp>
-        <p:nvSpPr>
-          <p:cNvPr id="10" name="Retângulo 9">
-            <a:extLst>
-              <a:ext uri="{FF2B5EF4-FFF2-40B4-BE49-F238E27FC236}">
-                <a16:creationId xmlns:a16="http://schemas.microsoft.com/office/drawing/2014/main" id="{DEAD5FC3-92FD-49D9-8B18-230B5423BB37}"/>
+        </p:txBody>
+      </p:sp>
+      <p:sp>
+        <p:nvSpPr>
+          <p:cNvPr id="6" name="Retângulo 5">
+            <a:extLst>
+              <a:ext uri="{FF2B5EF4-FFF2-40B4-BE49-F238E27FC236}">
+                <a16:creationId xmlns:a16="http://schemas.microsoft.com/office/drawing/2014/main" id="{1CABD5AE-8CA2-48C0-9E0D-94CF23C66024}"/>
               </a:ext>
             </a:extLst>
           </p:cNvPr>
@@ -7406,8 +7783,8 @@
         </p:nvSpPr>
         <p:spPr>
           <a:xfrm>
-            <a:off x="116114" y="5573486"/>
-            <a:ext cx="11974286" cy="1221015"/>
+            <a:off x="-232229" y="-72572"/>
+            <a:ext cx="1465943" cy="7634514"/>
           </a:xfrm>
           <a:prstGeom prst="rect">
             <a:avLst/>
@@ -7437,29 +7814,612 @@
           <a:lstStyle/>
           <a:p>
             <a:pPr algn="ctr"/>
-            <a:r>
-              <a:rPr lang="pt-BR" sz="6000" b="1" dirty="0">
-                <a:solidFill>
-                  <a:srgbClr val="FFFF00"/>
-                </a:solidFill>
-                <a:effectLst>
-                  <a:outerShdw blurRad="38100" dist="38100" dir="2700000" algn="tl">
-                    <a:srgbClr val="000000">
-                      <a:alpha val="43137"/>
-                    </a:srgbClr>
-                  </a:outerShdw>
-                </a:effectLst>
-                <a:latin typeface="Agency FB" panose="020B0503020202020204" pitchFamily="34" charset="0"/>
-              </a:rPr>
-              <a:t>UNA FIGTHERS</a:t>
-            </a:r>
-          </a:p>
-        </p:txBody>
-      </p:sp>
+            <a:endParaRPr lang="pt-BR"/>
+          </a:p>
+        </p:txBody>
+      </p:sp>
+      <p:pic>
+        <p:nvPicPr>
+          <p:cNvPr id="7" name="Imagem 6">
+            <a:extLst>
+              <a:ext uri="{FF2B5EF4-FFF2-40B4-BE49-F238E27FC236}">
+                <a16:creationId xmlns:a16="http://schemas.microsoft.com/office/drawing/2014/main" id="{F8C93D2F-8FE5-4965-ABD8-85655811C2B3}"/>
+              </a:ext>
+            </a:extLst>
+          </p:cNvPr>
+          <p:cNvPicPr>
+            <a:picLocks noChangeAspect="1"/>
+          </p:cNvPicPr>
+          <p:nvPr/>
+        </p:nvPicPr>
+        <p:blipFill>
+          <a:blip r:embed="rId2">
+            <a:extLst>
+              <a:ext uri="{28A0092B-C50C-407E-A947-70E740481C1C}">
+                <a14:useLocalDpi xmlns:a14="http://schemas.microsoft.com/office/drawing/2010/main" val="0"/>
+              </a:ext>
+            </a:extLst>
+          </a:blip>
+          <a:stretch>
+            <a:fillRect/>
+          </a:stretch>
+        </p:blipFill>
+        <p:spPr>
+          <a:xfrm>
+            <a:off x="6304917" y="3874627"/>
+            <a:ext cx="3718560" cy="2788920"/>
+          </a:xfrm>
+          <a:prstGeom prst="rect">
+            <a:avLst/>
+          </a:prstGeom>
+        </p:spPr>
+      </p:pic>
+      <p:cxnSp>
+        <p:nvCxnSpPr>
+          <p:cNvPr id="11" name="Conector de Seta Reta 10">
+            <a:extLst>
+              <a:ext uri="{FF2B5EF4-FFF2-40B4-BE49-F238E27FC236}">
+                <a16:creationId xmlns:a16="http://schemas.microsoft.com/office/drawing/2014/main" id="{DB61D11E-0C66-4886-8E35-7DDF3CFA81AC}"/>
+              </a:ext>
+            </a:extLst>
+          </p:cNvPr>
+          <p:cNvCxnSpPr>
+            <a:cxnSpLocks/>
+          </p:cNvCxnSpPr>
+          <p:nvPr/>
+        </p:nvCxnSpPr>
+        <p:spPr>
+          <a:xfrm>
+            <a:off x="9259910" y="4378817"/>
+            <a:ext cx="1133341" cy="0"/>
+          </a:xfrm>
+          <a:prstGeom prst="straightConnector1">
+            <a:avLst/>
+          </a:prstGeom>
+          <a:ln>
+            <a:solidFill>
+              <a:schemeClr val="bg2">
+                <a:lumMod val="50000"/>
+              </a:schemeClr>
+            </a:solidFill>
+            <a:tailEnd type="triangle"/>
+          </a:ln>
+        </p:spPr>
+        <p:style>
+          <a:lnRef idx="1">
+            <a:schemeClr val="accent1"/>
+          </a:lnRef>
+          <a:fillRef idx="0">
+            <a:schemeClr val="accent1"/>
+          </a:fillRef>
+          <a:effectRef idx="0">
+            <a:schemeClr val="accent1"/>
+          </a:effectRef>
+          <a:fontRef idx="minor">
+            <a:schemeClr val="tx1"/>
+          </a:fontRef>
+        </p:style>
+      </p:cxnSp>
+      <p:cxnSp>
+        <p:nvCxnSpPr>
+          <p:cNvPr id="15" name="Conector de Seta Reta 14">
+            <a:extLst>
+              <a:ext uri="{FF2B5EF4-FFF2-40B4-BE49-F238E27FC236}">
+                <a16:creationId xmlns:a16="http://schemas.microsoft.com/office/drawing/2014/main" id="{C5DC4112-7B00-4948-A19B-41B57E006960}"/>
+              </a:ext>
+            </a:extLst>
+          </p:cNvPr>
+          <p:cNvCxnSpPr/>
+          <p:nvPr/>
+        </p:nvCxnSpPr>
+        <p:spPr>
+          <a:xfrm>
+            <a:off x="9259910" y="4932608"/>
+            <a:ext cx="1133341" cy="0"/>
+          </a:xfrm>
+          <a:prstGeom prst="straightConnector1">
+            <a:avLst/>
+          </a:prstGeom>
+          <a:ln>
+            <a:solidFill>
+              <a:schemeClr val="bg2">
+                <a:lumMod val="50000"/>
+              </a:schemeClr>
+            </a:solidFill>
+            <a:tailEnd type="triangle"/>
+          </a:ln>
+        </p:spPr>
+        <p:style>
+          <a:lnRef idx="1">
+            <a:schemeClr val="accent1"/>
+          </a:lnRef>
+          <a:fillRef idx="0">
+            <a:schemeClr val="accent1"/>
+          </a:fillRef>
+          <a:effectRef idx="0">
+            <a:schemeClr val="accent1"/>
+          </a:effectRef>
+          <a:fontRef idx="minor">
+            <a:schemeClr val="tx1"/>
+          </a:fontRef>
+        </p:style>
+      </p:cxnSp>
+      <p:cxnSp>
+        <p:nvCxnSpPr>
+          <p:cNvPr id="22" name="Conector de Seta Reta 21">
+            <a:extLst>
+              <a:ext uri="{FF2B5EF4-FFF2-40B4-BE49-F238E27FC236}">
+                <a16:creationId xmlns:a16="http://schemas.microsoft.com/office/drawing/2014/main" id="{57EA34DE-7414-4F5A-B477-6687D566BC32}"/>
+              </a:ext>
+            </a:extLst>
+          </p:cNvPr>
+          <p:cNvCxnSpPr/>
+          <p:nvPr/>
+        </p:nvCxnSpPr>
+        <p:spPr>
+          <a:xfrm flipV="1">
+            <a:off x="9169758" y="3744685"/>
+            <a:ext cx="0" cy="260645"/>
+          </a:xfrm>
+          <a:prstGeom prst="straightConnector1">
+            <a:avLst/>
+          </a:prstGeom>
+          <a:ln>
+            <a:solidFill>
+              <a:schemeClr val="bg2">
+                <a:lumMod val="50000"/>
+              </a:schemeClr>
+            </a:solidFill>
+            <a:tailEnd type="triangle"/>
+          </a:ln>
+        </p:spPr>
+        <p:style>
+          <a:lnRef idx="1">
+            <a:schemeClr val="accent1"/>
+          </a:lnRef>
+          <a:fillRef idx="0">
+            <a:schemeClr val="accent1"/>
+          </a:fillRef>
+          <a:effectRef idx="0">
+            <a:schemeClr val="accent1"/>
+          </a:effectRef>
+          <a:fontRef idx="minor">
+            <a:schemeClr val="tx1"/>
+          </a:fontRef>
+        </p:style>
+      </p:cxnSp>
+      <p:cxnSp>
+        <p:nvCxnSpPr>
+          <p:cNvPr id="24" name="Conector de Seta Reta 23">
+            <a:extLst>
+              <a:ext uri="{FF2B5EF4-FFF2-40B4-BE49-F238E27FC236}">
+                <a16:creationId xmlns:a16="http://schemas.microsoft.com/office/drawing/2014/main" id="{B2018215-9212-4B0B-85CD-C07D86AABD80}"/>
+              </a:ext>
+            </a:extLst>
+          </p:cNvPr>
+          <p:cNvCxnSpPr/>
+          <p:nvPr/>
+        </p:nvCxnSpPr>
+        <p:spPr>
+          <a:xfrm flipV="1">
+            <a:off x="7134896" y="3744685"/>
+            <a:ext cx="0" cy="260645"/>
+          </a:xfrm>
+          <a:prstGeom prst="straightConnector1">
+            <a:avLst/>
+          </a:prstGeom>
+          <a:ln>
+            <a:solidFill>
+              <a:schemeClr val="bg2">
+                <a:lumMod val="50000"/>
+              </a:schemeClr>
+            </a:solidFill>
+            <a:tailEnd type="triangle"/>
+          </a:ln>
+        </p:spPr>
+        <p:style>
+          <a:lnRef idx="1">
+            <a:schemeClr val="accent1"/>
+          </a:lnRef>
+          <a:fillRef idx="0">
+            <a:schemeClr val="accent1"/>
+          </a:fillRef>
+          <a:effectRef idx="0">
+            <a:schemeClr val="accent1"/>
+          </a:effectRef>
+          <a:fontRef idx="minor">
+            <a:schemeClr val="tx1"/>
+          </a:fontRef>
+        </p:style>
+      </p:cxnSp>
+      <p:cxnSp>
+        <p:nvCxnSpPr>
+          <p:cNvPr id="26" name="Conector de Seta Reta 25">
+            <a:extLst>
+              <a:ext uri="{FF2B5EF4-FFF2-40B4-BE49-F238E27FC236}">
+                <a16:creationId xmlns:a16="http://schemas.microsoft.com/office/drawing/2014/main" id="{C77A6A92-510C-4260-857B-AEE534A281B7}"/>
+              </a:ext>
+            </a:extLst>
+          </p:cNvPr>
+          <p:cNvCxnSpPr/>
+          <p:nvPr/>
+        </p:nvCxnSpPr>
+        <p:spPr>
+          <a:xfrm flipH="1">
+            <a:off x="6096000" y="4662152"/>
+            <a:ext cx="974501" cy="0"/>
+          </a:xfrm>
+          <a:prstGeom prst="straightConnector1">
+            <a:avLst/>
+          </a:prstGeom>
+          <a:ln>
+            <a:solidFill>
+              <a:schemeClr val="bg2">
+                <a:lumMod val="50000"/>
+              </a:schemeClr>
+            </a:solidFill>
+            <a:tailEnd type="triangle"/>
+          </a:ln>
+        </p:spPr>
+        <p:style>
+          <a:lnRef idx="1">
+            <a:schemeClr val="accent1"/>
+          </a:lnRef>
+          <a:fillRef idx="0">
+            <a:schemeClr val="accent1"/>
+          </a:fillRef>
+          <a:effectRef idx="0">
+            <a:schemeClr val="accent1"/>
+          </a:effectRef>
+          <a:fontRef idx="minor">
+            <a:schemeClr val="tx1"/>
+          </a:fontRef>
+        </p:style>
+      </p:cxnSp>
+      <p:sp>
+        <p:nvSpPr>
+          <p:cNvPr id="4" name="CaixaDeTexto 3">
+            <a:extLst>
+              <a:ext uri="{FF2B5EF4-FFF2-40B4-BE49-F238E27FC236}">
+                <a16:creationId xmlns:a16="http://schemas.microsoft.com/office/drawing/2014/main" id="{D4D384E5-891E-4CA4-A220-9E9FFAF624AB}"/>
+              </a:ext>
+            </a:extLst>
+          </p:cNvPr>
+          <p:cNvSpPr txBox="1"/>
+          <p:nvPr/>
+        </p:nvSpPr>
+        <p:spPr>
+          <a:xfrm>
+            <a:off x="6726242" y="3441929"/>
+            <a:ext cx="1365160" cy="369332"/>
+          </a:xfrm>
+          <a:prstGeom prst="rect">
+            <a:avLst/>
+          </a:prstGeom>
+          <a:noFill/>
+        </p:spPr>
+        <p:txBody>
+          <a:bodyPr wrap="square" rtlCol="0">
+            <a:spAutoFit/>
+          </a:bodyPr>
+          <a:lstStyle/>
+          <a:p>
+            <a:r>
+              <a:rPr lang="pt-BR" dirty="0">
+                <a:solidFill>
+                  <a:schemeClr val="tx1">
+                    <a:lumMod val="65000"/>
+                    <a:lumOff val="35000"/>
+                  </a:schemeClr>
+                </a:solidFill>
+                <a:effectLst>
+                  <a:outerShdw blurRad="38100" dist="38100" dir="2700000" algn="tl">
+                    <a:srgbClr val="000000">
+                      <a:alpha val="43137"/>
+                    </a:srgbClr>
+                  </a:outerShdw>
+                </a:effectLst>
+              </a:rPr>
+              <a:t>Defesa</a:t>
+            </a:r>
+          </a:p>
+        </p:txBody>
+      </p:sp>
+      <p:sp>
+        <p:nvSpPr>
+          <p:cNvPr id="16" name="CaixaDeTexto 15">
+            <a:extLst>
+              <a:ext uri="{FF2B5EF4-FFF2-40B4-BE49-F238E27FC236}">
+                <a16:creationId xmlns:a16="http://schemas.microsoft.com/office/drawing/2014/main" id="{F4D9E16C-42D8-440B-BAFF-0EDEF5E5BF28}"/>
+              </a:ext>
+            </a:extLst>
+          </p:cNvPr>
+          <p:cNvSpPr txBox="1"/>
+          <p:nvPr/>
+        </p:nvSpPr>
+        <p:spPr>
+          <a:xfrm>
+            <a:off x="8797096" y="3415286"/>
+            <a:ext cx="1365160" cy="369332"/>
+          </a:xfrm>
+          <a:prstGeom prst="rect">
+            <a:avLst/>
+          </a:prstGeom>
+          <a:noFill/>
+        </p:spPr>
+        <p:txBody>
+          <a:bodyPr wrap="square" rtlCol="0">
+            <a:spAutoFit/>
+          </a:bodyPr>
+          <a:lstStyle/>
+          <a:p>
+            <a:r>
+              <a:rPr lang="pt-BR" dirty="0">
+                <a:solidFill>
+                  <a:schemeClr val="tx1">
+                    <a:lumMod val="65000"/>
+                    <a:lumOff val="35000"/>
+                  </a:schemeClr>
+                </a:solidFill>
+                <a:effectLst>
+                  <a:outerShdw blurRad="38100" dist="38100" dir="2700000" algn="tl">
+                    <a:srgbClr val="000000">
+                      <a:alpha val="43137"/>
+                    </a:srgbClr>
+                  </a:outerShdw>
+                </a:effectLst>
+              </a:rPr>
+              <a:t>Defesa</a:t>
+            </a:r>
+          </a:p>
+        </p:txBody>
+      </p:sp>
+      <p:sp>
+        <p:nvSpPr>
+          <p:cNvPr id="17" name="CaixaDeTexto 16">
+            <a:extLst>
+              <a:ext uri="{FF2B5EF4-FFF2-40B4-BE49-F238E27FC236}">
+                <a16:creationId xmlns:a16="http://schemas.microsoft.com/office/drawing/2014/main" id="{0038BBB9-37D3-40E6-AFB5-8BF14F973309}"/>
+              </a:ext>
+            </a:extLst>
+          </p:cNvPr>
+          <p:cNvSpPr txBox="1"/>
+          <p:nvPr/>
+        </p:nvSpPr>
+        <p:spPr>
+          <a:xfrm>
+            <a:off x="4536179" y="4425971"/>
+            <a:ext cx="1922902" cy="369332"/>
+          </a:xfrm>
+          <a:prstGeom prst="rect">
+            <a:avLst/>
+          </a:prstGeom>
+          <a:noFill/>
+        </p:spPr>
+        <p:txBody>
+          <a:bodyPr wrap="square" rtlCol="0">
+            <a:spAutoFit/>
+          </a:bodyPr>
+          <a:lstStyle/>
+          <a:p>
+            <a:r>
+              <a:rPr lang="pt-BR" dirty="0">
+                <a:solidFill>
+                  <a:schemeClr val="tx1">
+                    <a:lumMod val="65000"/>
+                    <a:lumOff val="35000"/>
+                  </a:schemeClr>
+                </a:solidFill>
+                <a:effectLst>
+                  <a:outerShdw blurRad="38100" dist="38100" dir="2700000" algn="tl">
+                    <a:srgbClr val="000000">
+                      <a:alpha val="43137"/>
+                    </a:srgbClr>
+                  </a:outerShdw>
+                </a:effectLst>
+              </a:rPr>
+              <a:t>Movimentação</a:t>
+            </a:r>
+          </a:p>
+        </p:txBody>
+      </p:sp>
+      <p:sp>
+        <p:nvSpPr>
+          <p:cNvPr id="18" name="CaixaDeTexto 17">
+            <a:extLst>
+              <a:ext uri="{FF2B5EF4-FFF2-40B4-BE49-F238E27FC236}">
+                <a16:creationId xmlns:a16="http://schemas.microsoft.com/office/drawing/2014/main" id="{FEECB01E-B9CE-4CF9-B4B2-5C54C251F074}"/>
+              </a:ext>
+            </a:extLst>
+          </p:cNvPr>
+          <p:cNvSpPr txBox="1"/>
+          <p:nvPr/>
+        </p:nvSpPr>
+        <p:spPr>
+          <a:xfrm>
+            <a:off x="10382347" y="4185058"/>
+            <a:ext cx="1365160" cy="369332"/>
+          </a:xfrm>
+          <a:prstGeom prst="rect">
+            <a:avLst/>
+          </a:prstGeom>
+          <a:noFill/>
+        </p:spPr>
+        <p:txBody>
+          <a:bodyPr wrap="square" rtlCol="0">
+            <a:spAutoFit/>
+          </a:bodyPr>
+          <a:lstStyle/>
+          <a:p>
+            <a:r>
+              <a:rPr lang="pt-BR" dirty="0">
+                <a:solidFill>
+                  <a:schemeClr val="tx1">
+                    <a:lumMod val="65000"/>
+                    <a:lumOff val="35000"/>
+                  </a:schemeClr>
+                </a:solidFill>
+                <a:effectLst>
+                  <a:outerShdw blurRad="38100" dist="38100" dir="2700000" algn="tl">
+                    <a:srgbClr val="000000">
+                      <a:alpha val="43137"/>
+                    </a:srgbClr>
+                  </a:outerShdw>
+                </a:effectLst>
+              </a:rPr>
+              <a:t>Poder</a:t>
+            </a:r>
+          </a:p>
+        </p:txBody>
+      </p:sp>
+      <p:sp>
+        <p:nvSpPr>
+          <p:cNvPr id="21" name="CaixaDeTexto 20">
+            <a:extLst>
+              <a:ext uri="{FF2B5EF4-FFF2-40B4-BE49-F238E27FC236}">
+                <a16:creationId xmlns:a16="http://schemas.microsoft.com/office/drawing/2014/main" id="{58EFFE2E-4EF1-4B7A-9C24-8A0CA250F0E7}"/>
+              </a:ext>
+            </a:extLst>
+          </p:cNvPr>
+          <p:cNvSpPr txBox="1"/>
+          <p:nvPr/>
+        </p:nvSpPr>
+        <p:spPr>
+          <a:xfrm>
+            <a:off x="10386812" y="4713668"/>
+            <a:ext cx="1365160" cy="369332"/>
+          </a:xfrm>
+          <a:prstGeom prst="rect">
+            <a:avLst/>
+          </a:prstGeom>
+          <a:noFill/>
+        </p:spPr>
+        <p:txBody>
+          <a:bodyPr wrap="square" rtlCol="0">
+            <a:spAutoFit/>
+          </a:bodyPr>
+          <a:lstStyle/>
+          <a:p>
+            <a:r>
+              <a:rPr lang="pt-BR" dirty="0">
+                <a:solidFill>
+                  <a:schemeClr val="tx1">
+                    <a:lumMod val="65000"/>
+                    <a:lumOff val="35000"/>
+                  </a:schemeClr>
+                </a:solidFill>
+                <a:effectLst>
+                  <a:outerShdw blurRad="38100" dist="38100" dir="2700000" algn="tl">
+                    <a:srgbClr val="000000">
+                      <a:alpha val="43137"/>
+                    </a:srgbClr>
+                  </a:outerShdw>
+                </a:effectLst>
+              </a:rPr>
+              <a:t>Pulo</a:t>
+            </a:r>
+          </a:p>
+        </p:txBody>
+      </p:sp>
+      <p:sp>
+        <p:nvSpPr>
+          <p:cNvPr id="23" name="CaixaDeTexto 22">
+            <a:extLst>
+              <a:ext uri="{FF2B5EF4-FFF2-40B4-BE49-F238E27FC236}">
+                <a16:creationId xmlns:a16="http://schemas.microsoft.com/office/drawing/2014/main" id="{6656F8A5-2B74-44A1-8A91-32930B9AFE8B}"/>
+              </a:ext>
+            </a:extLst>
+          </p:cNvPr>
+          <p:cNvSpPr txBox="1"/>
+          <p:nvPr/>
+        </p:nvSpPr>
+        <p:spPr>
+          <a:xfrm>
+            <a:off x="10382347" y="4438111"/>
+            <a:ext cx="1365160" cy="369332"/>
+          </a:xfrm>
+          <a:prstGeom prst="rect">
+            <a:avLst/>
+          </a:prstGeom>
+          <a:noFill/>
+        </p:spPr>
+        <p:txBody>
+          <a:bodyPr wrap="square" rtlCol="0">
+            <a:spAutoFit/>
+          </a:bodyPr>
+          <a:lstStyle/>
+          <a:p>
+            <a:r>
+              <a:rPr lang="pt-BR" dirty="0">
+                <a:solidFill>
+                  <a:schemeClr val="tx1">
+                    <a:lumMod val="65000"/>
+                    <a:lumOff val="35000"/>
+                  </a:schemeClr>
+                </a:solidFill>
+                <a:effectLst>
+                  <a:outerShdw blurRad="38100" dist="38100" dir="2700000" algn="tl">
+                    <a:srgbClr val="000000">
+                      <a:alpha val="43137"/>
+                    </a:srgbClr>
+                  </a:outerShdw>
+                </a:effectLst>
+              </a:rPr>
+              <a:t>Golpe</a:t>
+            </a:r>
+          </a:p>
+        </p:txBody>
+      </p:sp>
+      <p:cxnSp>
+        <p:nvCxnSpPr>
+          <p:cNvPr id="28" name="Conector de Seta Reta 27">
+            <a:extLst>
+              <a:ext uri="{FF2B5EF4-FFF2-40B4-BE49-F238E27FC236}">
+                <a16:creationId xmlns:a16="http://schemas.microsoft.com/office/drawing/2014/main" id="{866DA120-7AD3-4C0D-8FCF-EFCF1970F220}"/>
+              </a:ext>
+            </a:extLst>
+          </p:cNvPr>
+          <p:cNvCxnSpPr>
+            <a:cxnSpLocks/>
+          </p:cNvCxnSpPr>
+          <p:nvPr/>
+        </p:nvCxnSpPr>
+        <p:spPr>
+          <a:xfrm>
+            <a:off x="8873544" y="4662152"/>
+            <a:ext cx="1508803" cy="0"/>
+          </a:xfrm>
+          <a:prstGeom prst="straightConnector1">
+            <a:avLst/>
+          </a:prstGeom>
+          <a:ln>
+            <a:solidFill>
+              <a:schemeClr val="bg2">
+                <a:lumMod val="50000"/>
+              </a:schemeClr>
+            </a:solidFill>
+            <a:tailEnd type="triangle"/>
+          </a:ln>
+        </p:spPr>
+        <p:style>
+          <a:lnRef idx="1">
+            <a:schemeClr val="accent1"/>
+          </a:lnRef>
+          <a:fillRef idx="0">
+            <a:schemeClr val="accent1"/>
+          </a:fillRef>
+          <a:effectRef idx="0">
+            <a:schemeClr val="accent1"/>
+          </a:effectRef>
+          <a:fontRef idx="minor">
+            <a:schemeClr val="tx1"/>
+          </a:fontRef>
+        </p:style>
+      </p:cxnSp>
     </p:spTree>
     <p:extLst>
       <p:ext uri="{BB962C8B-B14F-4D97-AF65-F5344CB8AC3E}">
-        <p14:creationId xmlns:p14="http://schemas.microsoft.com/office/powerpoint/2010/main" val="5172757"/>
+        <p14:creationId xmlns:p14="http://schemas.microsoft.com/office/powerpoint/2010/main" val="2427223184"/>
       </p:ext>
     </p:extLst>
   </p:cSld>
